--- a/presentation/mine2sirius.pptx
+++ b/presentation/mine2sirius.pptx
@@ -6,15 +6,33 @@
     <p:sldMasterId id="2147485900" r:id="rId5"/>
   </p:sldMasterIdLst>
   <p:notesMasterIdLst>
-    <p:notesMasterId r:id="rId9"/>
+    <p:notesMasterId r:id="rId27"/>
   </p:notesMasterIdLst>
   <p:handoutMasterIdLst>
-    <p:handoutMasterId r:id="rId10"/>
+    <p:handoutMasterId r:id="rId28"/>
   </p:handoutMasterIdLst>
   <p:sldIdLst>
     <p:sldId id="760" r:id="rId6"/>
     <p:sldId id="814" r:id="rId7"/>
-    <p:sldId id="788" r:id="rId8"/>
+    <p:sldId id="822" r:id="rId8"/>
+    <p:sldId id="823" r:id="rId9"/>
+    <p:sldId id="816" r:id="rId10"/>
+    <p:sldId id="817" r:id="rId11"/>
+    <p:sldId id="819" r:id="rId12"/>
+    <p:sldId id="820" r:id="rId13"/>
+    <p:sldId id="821" r:id="rId14"/>
+    <p:sldId id="818" r:id="rId15"/>
+    <p:sldId id="824" r:id="rId16"/>
+    <p:sldId id="825" r:id="rId17"/>
+    <p:sldId id="826" r:id="rId18"/>
+    <p:sldId id="827" r:id="rId19"/>
+    <p:sldId id="828" r:id="rId20"/>
+    <p:sldId id="829" r:id="rId21"/>
+    <p:sldId id="830" r:id="rId22"/>
+    <p:sldId id="831" r:id="rId23"/>
+    <p:sldId id="832" r:id="rId24"/>
+    <p:sldId id="833" r:id="rId25"/>
+    <p:sldId id="788" r:id="rId26"/>
   </p:sldIdLst>
   <p:sldSz cx="9144000" cy="5143500" type="screen16x9"/>
   <p:notesSz cx="6819900" cy="9918700"/>
@@ -296,7 +314,7 @@
               <a:pPr>
                 <a:defRPr/>
               </a:pPr>
-              <a:t>30.09.2024</a:t>
+              <a:t>17.10.2024</a:t>
             </a:fld>
             <a:endParaRPr lang="de-DE"/>
           </a:p>
@@ -494,7 +512,7 @@
               <a:pPr>
                 <a:defRPr/>
               </a:pPr>
-              <a:t>30.09.2024</a:t>
+              <a:t>17.10.2024</a:t>
             </a:fld>
             <a:endParaRPr lang="de-DE"/>
           </a:p>
@@ -1087,7 +1105,7 @@
               <a:pPr>
                 <a:defRPr/>
               </a:pPr>
-              <a:t>3</a:t>
+              <a:t>21</a:t>
             </a:fld>
             <a:endParaRPr lang="de-DE"/>
           </a:p>
@@ -3205,6 +3223,1442 @@
 </p:sld>
 </file>
 
+<file path=ppt/slides/slide10.xml><?xml version="1.0" encoding="utf-8"?>
+<p:sld xmlns:a="http://schemas.openxmlformats.org/drawingml/2006/main" xmlns:r="http://schemas.openxmlformats.org/officeDocument/2006/relationships" xmlns:p="http://schemas.openxmlformats.org/presentationml/2006/main">
+  <p:cSld>
+    <p:spTree>
+      <p:nvGrpSpPr>
+        <p:cNvPr id="1" name="">
+          <a:extLst>
+            <a:ext uri="{FF2B5EF4-FFF2-40B4-BE49-F238E27FC236}">
+              <a16:creationId xmlns:a16="http://schemas.microsoft.com/office/drawing/2014/main" id="{7C78D5B0-03C6-4605-F485-E09DBF90DC48}"/>
+            </a:ext>
+          </a:extLst>
+        </p:cNvPr>
+        <p:cNvGrpSpPr/>
+        <p:nvPr/>
+      </p:nvGrpSpPr>
+      <p:grpSpPr>
+        <a:xfrm>
+          <a:off x="0" y="0"/>
+          <a:ext cx="0" cy="0"/>
+          <a:chOff x="0" y="0"/>
+          <a:chExt cx="0" cy="0"/>
+        </a:xfrm>
+      </p:grpSpPr>
+      <p:sp>
+        <p:nvSpPr>
+          <p:cNvPr id="2" name="Content Placeholder 1">
+            <a:extLst>
+              <a:ext uri="{FF2B5EF4-FFF2-40B4-BE49-F238E27FC236}">
+                <a16:creationId xmlns:a16="http://schemas.microsoft.com/office/drawing/2014/main" id="{9430FA9F-53A4-3DAF-FD1C-E764C0BB3F54}"/>
+              </a:ext>
+            </a:extLst>
+          </p:cNvPr>
+          <p:cNvSpPr>
+            <a:spLocks noGrp="1"/>
+          </p:cNvSpPr>
+          <p:nvPr>
+            <p:ph sz="quarter" idx="10"/>
+          </p:nvPr>
+        </p:nvSpPr>
+        <p:spPr/>
+        <p:txBody>
+          <a:bodyPr/>
+          <a:lstStyle/>
+          <a:p>
+            <a:r>
+              <a:rPr lang="en-GB" dirty="0"/>
+              <a:t>Isotope peaks finder</a:t>
+            </a:r>
+            <a:endParaRPr lang="en-DE" dirty="0"/>
+          </a:p>
+        </p:txBody>
+      </p:sp>
+      <p:pic>
+        <p:nvPicPr>
+          <p:cNvPr id="5" name="Picture 4">
+            <a:extLst>
+              <a:ext uri="{FF2B5EF4-FFF2-40B4-BE49-F238E27FC236}">
+                <a16:creationId xmlns:a16="http://schemas.microsoft.com/office/drawing/2014/main" id="{C1535005-E1A5-2E65-4B53-A5AED9B4E79D}"/>
+              </a:ext>
+            </a:extLst>
+          </p:cNvPr>
+          <p:cNvPicPr>
+            <a:picLocks noChangeAspect="1"/>
+          </p:cNvPicPr>
+          <p:nvPr/>
+        </p:nvPicPr>
+        <p:blipFill>
+          <a:blip r:embed="rId2"/>
+          <a:stretch>
+            <a:fillRect/>
+          </a:stretch>
+        </p:blipFill>
+        <p:spPr>
+          <a:xfrm>
+            <a:off x="2643779" y="2156931"/>
+            <a:ext cx="3856441" cy="2312594"/>
+          </a:xfrm>
+          <a:prstGeom prst="rect">
+            <a:avLst/>
+          </a:prstGeom>
+        </p:spPr>
+      </p:pic>
+      <p:sp>
+        <p:nvSpPr>
+          <p:cNvPr id="6" name="Text Placeholder 2">
+            <a:extLst>
+              <a:ext uri="{FF2B5EF4-FFF2-40B4-BE49-F238E27FC236}">
+                <a16:creationId xmlns:a16="http://schemas.microsoft.com/office/drawing/2014/main" id="{AE616832-4BE6-60BF-F08E-EE7881942C12}"/>
+              </a:ext>
+            </a:extLst>
+          </p:cNvPr>
+          <p:cNvSpPr>
+            <a:spLocks noGrp="1"/>
+          </p:cNvSpPr>
+          <p:nvPr>
+            <p:ph type="body" sz="quarter" idx="11"/>
+          </p:nvPr>
+        </p:nvSpPr>
+        <p:spPr>
+          <a:xfrm>
+            <a:off x="1260000" y="1634400"/>
+            <a:ext cx="7596000" cy="276999"/>
+          </a:xfrm>
+        </p:spPr>
+        <p:txBody>
+          <a:bodyPr/>
+          <a:lstStyle/>
+          <a:p>
+            <a:r>
+              <a:rPr lang="en-GB" dirty="0"/>
+              <a:t>Finds isotope patterns of most intense peak in original mass spectra</a:t>
+            </a:r>
+            <a:endParaRPr lang="en-DE" dirty="0"/>
+          </a:p>
+        </p:txBody>
+      </p:sp>
+    </p:spTree>
+    <p:extLst>
+      <p:ext uri="{BB962C8B-B14F-4D97-AF65-F5344CB8AC3E}">
+        <p14:creationId xmlns:p14="http://schemas.microsoft.com/office/powerpoint/2010/main" val="836269732"/>
+      </p:ext>
+    </p:extLst>
+  </p:cSld>
+  <p:clrMapOvr>
+    <a:masterClrMapping/>
+  </p:clrMapOvr>
+</p:sld>
+</file>
+
+<file path=ppt/slides/slide11.xml><?xml version="1.0" encoding="utf-8"?>
+<p:sld xmlns:a="http://schemas.openxmlformats.org/drawingml/2006/main" xmlns:r="http://schemas.openxmlformats.org/officeDocument/2006/relationships" xmlns:p="http://schemas.openxmlformats.org/presentationml/2006/main">
+  <p:cSld>
+    <p:spTree>
+      <p:nvGrpSpPr>
+        <p:cNvPr id="1" name="">
+          <a:extLst>
+            <a:ext uri="{FF2B5EF4-FFF2-40B4-BE49-F238E27FC236}">
+              <a16:creationId xmlns:a16="http://schemas.microsoft.com/office/drawing/2014/main" id="{5BD5BC15-B2B1-D9D9-BE9A-8AE39DEBC1F5}"/>
+            </a:ext>
+          </a:extLst>
+        </p:cNvPr>
+        <p:cNvGrpSpPr/>
+        <p:nvPr/>
+      </p:nvGrpSpPr>
+      <p:grpSpPr>
+        <a:xfrm>
+          <a:off x="0" y="0"/>
+          <a:ext cx="0" cy="0"/>
+          <a:chOff x="0" y="0"/>
+          <a:chExt cx="0" cy="0"/>
+        </a:xfrm>
+      </p:grpSpPr>
+      <p:sp>
+        <p:nvSpPr>
+          <p:cNvPr id="2" name="Content Placeholder 1">
+            <a:extLst>
+              <a:ext uri="{FF2B5EF4-FFF2-40B4-BE49-F238E27FC236}">
+                <a16:creationId xmlns:a16="http://schemas.microsoft.com/office/drawing/2014/main" id="{6965F404-FE4A-0EA7-A52A-CEFC6D3B29AA}"/>
+              </a:ext>
+            </a:extLst>
+          </p:cNvPr>
+          <p:cNvSpPr>
+            <a:spLocks noGrp="1"/>
+          </p:cNvSpPr>
+          <p:nvPr>
+            <p:ph sz="quarter" idx="10"/>
+          </p:nvPr>
+        </p:nvSpPr>
+        <p:spPr/>
+        <p:txBody>
+          <a:bodyPr/>
+          <a:lstStyle/>
+          <a:p>
+            <a:r>
+              <a:rPr lang="en-GB" dirty="0"/>
+              <a:t>Alignment</a:t>
+            </a:r>
+            <a:endParaRPr lang="en-DE" dirty="0"/>
+          </a:p>
+        </p:txBody>
+      </p:sp>
+      <p:sp>
+        <p:nvSpPr>
+          <p:cNvPr id="3" name="Text Placeholder 2">
+            <a:extLst>
+              <a:ext uri="{FF2B5EF4-FFF2-40B4-BE49-F238E27FC236}">
+                <a16:creationId xmlns:a16="http://schemas.microsoft.com/office/drawing/2014/main" id="{09877D6E-741A-345C-7584-69A01724ED3B}"/>
+              </a:ext>
+            </a:extLst>
+          </p:cNvPr>
+          <p:cNvSpPr>
+            <a:spLocks noGrp="1"/>
+          </p:cNvSpPr>
+          <p:nvPr>
+            <p:ph type="body" sz="quarter" idx="11"/>
+          </p:nvPr>
+        </p:nvSpPr>
+        <p:spPr/>
+        <p:txBody>
+          <a:bodyPr/>
+          <a:lstStyle/>
+          <a:p>
+            <a:endParaRPr lang="en-DE" dirty="0"/>
+          </a:p>
+        </p:txBody>
+      </p:sp>
+      <p:pic>
+        <p:nvPicPr>
+          <p:cNvPr id="5" name="Picture 4">
+            <a:extLst>
+              <a:ext uri="{FF2B5EF4-FFF2-40B4-BE49-F238E27FC236}">
+                <a16:creationId xmlns:a16="http://schemas.microsoft.com/office/drawing/2014/main" id="{D5ABD395-BE5B-0BC6-7CB8-A6EF012B062A}"/>
+              </a:ext>
+            </a:extLst>
+          </p:cNvPr>
+          <p:cNvPicPr>
+            <a:picLocks noChangeAspect="1"/>
+          </p:cNvPicPr>
+          <p:nvPr/>
+        </p:nvPicPr>
+        <p:blipFill>
+          <a:blip r:embed="rId2"/>
+          <a:stretch>
+            <a:fillRect/>
+          </a:stretch>
+        </p:blipFill>
+        <p:spPr>
+          <a:xfrm>
+            <a:off x="1346200" y="1573275"/>
+            <a:ext cx="3835257" cy="3317653"/>
+          </a:xfrm>
+          <a:prstGeom prst="rect">
+            <a:avLst/>
+          </a:prstGeom>
+        </p:spPr>
+      </p:pic>
+      <p:pic>
+        <p:nvPicPr>
+          <p:cNvPr id="7" name="Picture 6">
+            <a:extLst>
+              <a:ext uri="{FF2B5EF4-FFF2-40B4-BE49-F238E27FC236}">
+                <a16:creationId xmlns:a16="http://schemas.microsoft.com/office/drawing/2014/main" id="{C49ED4B1-C3EC-10A1-097D-10C3B3CC2911}"/>
+              </a:ext>
+            </a:extLst>
+          </p:cNvPr>
+          <p:cNvPicPr>
+            <a:picLocks noChangeAspect="1"/>
+          </p:cNvPicPr>
+          <p:nvPr/>
+        </p:nvPicPr>
+        <p:blipFill>
+          <a:blip r:embed="rId3"/>
+          <a:stretch>
+            <a:fillRect/>
+          </a:stretch>
+        </p:blipFill>
+        <p:spPr>
+          <a:xfrm>
+            <a:off x="5788851" y="1460047"/>
+            <a:ext cx="3067149" cy="3317653"/>
+          </a:xfrm>
+          <a:prstGeom prst="rect">
+            <a:avLst/>
+          </a:prstGeom>
+        </p:spPr>
+      </p:pic>
+    </p:spTree>
+    <p:extLst>
+      <p:ext uri="{BB962C8B-B14F-4D97-AF65-F5344CB8AC3E}">
+        <p14:creationId xmlns:p14="http://schemas.microsoft.com/office/powerpoint/2010/main" val="337965643"/>
+      </p:ext>
+    </p:extLst>
+  </p:cSld>
+  <p:clrMapOvr>
+    <a:masterClrMapping/>
+  </p:clrMapOvr>
+</p:sld>
+</file>
+
+<file path=ppt/slides/slide12.xml><?xml version="1.0" encoding="utf-8"?>
+<p:sld xmlns:a="http://schemas.openxmlformats.org/drawingml/2006/main" xmlns:r="http://schemas.openxmlformats.org/officeDocument/2006/relationships" xmlns:p="http://schemas.openxmlformats.org/presentationml/2006/main">
+  <p:cSld>
+    <p:spTree>
+      <p:nvGrpSpPr>
+        <p:cNvPr id="1" name="">
+          <a:extLst>
+            <a:ext uri="{FF2B5EF4-FFF2-40B4-BE49-F238E27FC236}">
+              <a16:creationId xmlns:a16="http://schemas.microsoft.com/office/drawing/2014/main" id="{F207E125-C1FC-ED89-5B8E-17A97BC46976}"/>
+            </a:ext>
+          </a:extLst>
+        </p:cNvPr>
+        <p:cNvGrpSpPr/>
+        <p:nvPr/>
+      </p:nvGrpSpPr>
+      <p:grpSpPr>
+        <a:xfrm>
+          <a:off x="0" y="0"/>
+          <a:ext cx="0" cy="0"/>
+          <a:chOff x="0" y="0"/>
+          <a:chExt cx="0" cy="0"/>
+        </a:xfrm>
+      </p:grpSpPr>
+      <p:sp>
+        <p:nvSpPr>
+          <p:cNvPr id="2" name="Content Placeholder 1">
+            <a:extLst>
+              <a:ext uri="{FF2B5EF4-FFF2-40B4-BE49-F238E27FC236}">
+                <a16:creationId xmlns:a16="http://schemas.microsoft.com/office/drawing/2014/main" id="{873985DF-6BCA-1927-B8AC-AA5782D2C074}"/>
+              </a:ext>
+            </a:extLst>
+          </p:cNvPr>
+          <p:cNvSpPr>
+            <a:spLocks noGrp="1"/>
+          </p:cNvSpPr>
+          <p:nvPr>
+            <p:ph sz="quarter" idx="10"/>
+          </p:nvPr>
+        </p:nvSpPr>
+        <p:spPr/>
+        <p:txBody>
+          <a:bodyPr/>
+          <a:lstStyle/>
+          <a:p>
+            <a:r>
+              <a:rPr lang="en-GB" dirty="0"/>
+              <a:t>Row filter</a:t>
+            </a:r>
+            <a:endParaRPr lang="en-DE" dirty="0"/>
+          </a:p>
+        </p:txBody>
+      </p:sp>
+      <p:sp>
+        <p:nvSpPr>
+          <p:cNvPr id="3" name="Text Placeholder 2">
+            <a:extLst>
+              <a:ext uri="{FF2B5EF4-FFF2-40B4-BE49-F238E27FC236}">
+                <a16:creationId xmlns:a16="http://schemas.microsoft.com/office/drawing/2014/main" id="{375FEEAD-71A7-82A4-493B-7FFFB52FB9DF}"/>
+              </a:ext>
+            </a:extLst>
+          </p:cNvPr>
+          <p:cNvSpPr>
+            <a:spLocks noGrp="1"/>
+          </p:cNvSpPr>
+          <p:nvPr>
+            <p:ph type="body" sz="quarter" idx="11"/>
+          </p:nvPr>
+        </p:nvSpPr>
+        <p:spPr/>
+        <p:txBody>
+          <a:bodyPr/>
+          <a:lstStyle/>
+          <a:p>
+            <a:r>
+              <a:rPr lang="en-GB" dirty="0"/>
+              <a:t>Currently no effect (potentially: appearance in n spectra)</a:t>
+            </a:r>
+            <a:endParaRPr lang="en-DE" dirty="0"/>
+          </a:p>
+        </p:txBody>
+      </p:sp>
+      <p:pic>
+        <p:nvPicPr>
+          <p:cNvPr id="5" name="Picture 4">
+            <a:extLst>
+              <a:ext uri="{FF2B5EF4-FFF2-40B4-BE49-F238E27FC236}">
+                <a16:creationId xmlns:a16="http://schemas.microsoft.com/office/drawing/2014/main" id="{C498B001-CC38-1CC7-4981-431099518D7A}"/>
+              </a:ext>
+            </a:extLst>
+          </p:cNvPr>
+          <p:cNvPicPr>
+            <a:picLocks noChangeAspect="1"/>
+          </p:cNvPicPr>
+          <p:nvPr/>
+        </p:nvPicPr>
+        <p:blipFill>
+          <a:blip r:embed="rId2"/>
+          <a:stretch>
+            <a:fillRect/>
+          </a:stretch>
+        </p:blipFill>
+        <p:spPr>
+          <a:xfrm>
+            <a:off x="3275930" y="1996066"/>
+            <a:ext cx="2592139" cy="2779134"/>
+          </a:xfrm>
+          <a:prstGeom prst="rect">
+            <a:avLst/>
+          </a:prstGeom>
+        </p:spPr>
+      </p:pic>
+    </p:spTree>
+    <p:extLst>
+      <p:ext uri="{BB962C8B-B14F-4D97-AF65-F5344CB8AC3E}">
+        <p14:creationId xmlns:p14="http://schemas.microsoft.com/office/powerpoint/2010/main" val="1834495438"/>
+      </p:ext>
+    </p:extLst>
+  </p:cSld>
+  <p:clrMapOvr>
+    <a:masterClrMapping/>
+  </p:clrMapOvr>
+</p:sld>
+</file>
+
+<file path=ppt/slides/slide13.xml><?xml version="1.0" encoding="utf-8"?>
+<p:sld xmlns:a="http://schemas.openxmlformats.org/drawingml/2006/main" xmlns:r="http://schemas.openxmlformats.org/officeDocument/2006/relationships" xmlns:p="http://schemas.openxmlformats.org/presentationml/2006/main">
+  <p:cSld>
+    <p:spTree>
+      <p:nvGrpSpPr>
+        <p:cNvPr id="1" name="">
+          <a:extLst>
+            <a:ext uri="{FF2B5EF4-FFF2-40B4-BE49-F238E27FC236}">
+              <a16:creationId xmlns:a16="http://schemas.microsoft.com/office/drawing/2014/main" id="{A2AC3655-2D44-C889-602A-AE3922C9088E}"/>
+            </a:ext>
+          </a:extLst>
+        </p:cNvPr>
+        <p:cNvGrpSpPr/>
+        <p:nvPr/>
+      </p:nvGrpSpPr>
+      <p:grpSpPr>
+        <a:xfrm>
+          <a:off x="0" y="0"/>
+          <a:ext cx="0" cy="0"/>
+          <a:chOff x="0" y="0"/>
+          <a:chExt cx="0" cy="0"/>
+        </a:xfrm>
+      </p:grpSpPr>
+      <p:sp>
+        <p:nvSpPr>
+          <p:cNvPr id="2" name="Content Placeholder 1">
+            <a:extLst>
+              <a:ext uri="{FF2B5EF4-FFF2-40B4-BE49-F238E27FC236}">
+                <a16:creationId xmlns:a16="http://schemas.microsoft.com/office/drawing/2014/main" id="{E3B5B241-C1FB-42F1-8EFE-F3AF67172596}"/>
+              </a:ext>
+            </a:extLst>
+          </p:cNvPr>
+          <p:cNvSpPr>
+            <a:spLocks noGrp="1"/>
+          </p:cNvSpPr>
+          <p:nvPr>
+            <p:ph sz="quarter" idx="10"/>
+          </p:nvPr>
+        </p:nvSpPr>
+        <p:spPr/>
+        <p:txBody>
+          <a:bodyPr/>
+          <a:lstStyle/>
+          <a:p>
+            <a:r>
+              <a:rPr lang="en-GB" dirty="0"/>
+              <a:t>Gap filling</a:t>
+            </a:r>
+            <a:endParaRPr lang="en-DE" dirty="0"/>
+          </a:p>
+        </p:txBody>
+      </p:sp>
+      <p:sp>
+        <p:nvSpPr>
+          <p:cNvPr id="3" name="Text Placeholder 2">
+            <a:extLst>
+              <a:ext uri="{FF2B5EF4-FFF2-40B4-BE49-F238E27FC236}">
+                <a16:creationId xmlns:a16="http://schemas.microsoft.com/office/drawing/2014/main" id="{71692160-9126-6B46-A4F6-A51BDE15C1AF}"/>
+              </a:ext>
+            </a:extLst>
+          </p:cNvPr>
+          <p:cNvSpPr>
+            <a:spLocks noGrp="1"/>
+          </p:cNvSpPr>
+          <p:nvPr>
+            <p:ph type="body" sz="quarter" idx="11"/>
+          </p:nvPr>
+        </p:nvSpPr>
+        <p:spPr/>
+        <p:txBody>
+          <a:bodyPr/>
+          <a:lstStyle/>
+          <a:p>
+            <a:r>
+              <a:rPr lang="en-GB" dirty="0"/>
+              <a:t>With weaker aligned signals</a:t>
+            </a:r>
+            <a:endParaRPr lang="en-DE" dirty="0"/>
+          </a:p>
+        </p:txBody>
+      </p:sp>
+      <p:pic>
+        <p:nvPicPr>
+          <p:cNvPr id="5" name="Picture 4">
+            <a:extLst>
+              <a:ext uri="{FF2B5EF4-FFF2-40B4-BE49-F238E27FC236}">
+                <a16:creationId xmlns:a16="http://schemas.microsoft.com/office/drawing/2014/main" id="{A7CA7521-20F1-4DA6-5FD0-54E453E86B70}"/>
+              </a:ext>
+            </a:extLst>
+          </p:cNvPr>
+          <p:cNvPicPr>
+            <a:picLocks noChangeAspect="1"/>
+          </p:cNvPicPr>
+          <p:nvPr/>
+        </p:nvPicPr>
+        <p:blipFill>
+          <a:blip r:embed="rId2"/>
+          <a:stretch>
+            <a:fillRect/>
+          </a:stretch>
+        </p:blipFill>
+        <p:spPr>
+          <a:xfrm>
+            <a:off x="1319268" y="2156046"/>
+            <a:ext cx="3930066" cy="2083254"/>
+          </a:xfrm>
+          <a:prstGeom prst="rect">
+            <a:avLst/>
+          </a:prstGeom>
+        </p:spPr>
+      </p:pic>
+      <p:pic>
+        <p:nvPicPr>
+          <p:cNvPr id="7" name="Picture 6">
+            <a:extLst>
+              <a:ext uri="{FF2B5EF4-FFF2-40B4-BE49-F238E27FC236}">
+                <a16:creationId xmlns:a16="http://schemas.microsoft.com/office/drawing/2014/main" id="{6ABF3AF1-B6CD-D655-042E-58E14BEEC43E}"/>
+              </a:ext>
+            </a:extLst>
+          </p:cNvPr>
+          <p:cNvPicPr>
+            <a:picLocks noChangeAspect="1"/>
+          </p:cNvPicPr>
+          <p:nvPr/>
+        </p:nvPicPr>
+        <p:blipFill>
+          <a:blip r:embed="rId3"/>
+          <a:stretch>
+            <a:fillRect/>
+          </a:stretch>
+        </p:blipFill>
+        <p:spPr>
+          <a:xfrm>
+            <a:off x="5554133" y="1152560"/>
+            <a:ext cx="3301867" cy="3659007"/>
+          </a:xfrm>
+          <a:prstGeom prst="rect">
+            <a:avLst/>
+          </a:prstGeom>
+        </p:spPr>
+      </p:pic>
+    </p:spTree>
+    <p:extLst>
+      <p:ext uri="{BB962C8B-B14F-4D97-AF65-F5344CB8AC3E}">
+        <p14:creationId xmlns:p14="http://schemas.microsoft.com/office/powerpoint/2010/main" val="2843452937"/>
+      </p:ext>
+    </p:extLst>
+  </p:cSld>
+  <p:clrMapOvr>
+    <a:masterClrMapping/>
+  </p:clrMapOvr>
+</p:sld>
+</file>
+
+<file path=ppt/slides/slide14.xml><?xml version="1.0" encoding="utf-8"?>
+<p:sld xmlns:a="http://schemas.openxmlformats.org/drawingml/2006/main" xmlns:r="http://schemas.openxmlformats.org/officeDocument/2006/relationships" xmlns:p="http://schemas.openxmlformats.org/presentationml/2006/main">
+  <p:cSld>
+    <p:spTree>
+      <p:nvGrpSpPr>
+        <p:cNvPr id="1" name="">
+          <a:extLst>
+            <a:ext uri="{FF2B5EF4-FFF2-40B4-BE49-F238E27FC236}">
+              <a16:creationId xmlns:a16="http://schemas.microsoft.com/office/drawing/2014/main" id="{1ECE585A-2A47-8B88-F262-4678DCD0E033}"/>
+            </a:ext>
+          </a:extLst>
+        </p:cNvPr>
+        <p:cNvGrpSpPr/>
+        <p:nvPr/>
+      </p:nvGrpSpPr>
+      <p:grpSpPr>
+        <a:xfrm>
+          <a:off x="0" y="0"/>
+          <a:ext cx="0" cy="0"/>
+          <a:chOff x="0" y="0"/>
+          <a:chExt cx="0" cy="0"/>
+        </a:xfrm>
+      </p:grpSpPr>
+      <p:sp>
+        <p:nvSpPr>
+          <p:cNvPr id="2" name="Content Placeholder 1">
+            <a:extLst>
+              <a:ext uri="{FF2B5EF4-FFF2-40B4-BE49-F238E27FC236}">
+                <a16:creationId xmlns:a16="http://schemas.microsoft.com/office/drawing/2014/main" id="{1732EF64-13BB-61E9-C102-D92F57A6A8B7}"/>
+              </a:ext>
+            </a:extLst>
+          </p:cNvPr>
+          <p:cNvSpPr>
+            <a:spLocks noGrp="1"/>
+          </p:cNvSpPr>
+          <p:nvPr>
+            <p:ph sz="quarter" idx="10"/>
+          </p:nvPr>
+        </p:nvSpPr>
+        <p:spPr/>
+        <p:txBody>
+          <a:bodyPr/>
+          <a:lstStyle/>
+          <a:p>
+            <a:r>
+              <a:rPr lang="en-GB" dirty="0"/>
+              <a:t>Duplicate peak filtering</a:t>
+            </a:r>
+            <a:endParaRPr lang="en-DE" dirty="0"/>
+          </a:p>
+        </p:txBody>
+      </p:sp>
+      <p:sp>
+        <p:nvSpPr>
+          <p:cNvPr id="3" name="Text Placeholder 2">
+            <a:extLst>
+              <a:ext uri="{FF2B5EF4-FFF2-40B4-BE49-F238E27FC236}">
+                <a16:creationId xmlns:a16="http://schemas.microsoft.com/office/drawing/2014/main" id="{5FDFD2ED-254B-4121-3EB9-A1FEFB3136DF}"/>
+              </a:ext>
+            </a:extLst>
+          </p:cNvPr>
+          <p:cNvSpPr>
+            <a:spLocks noGrp="1"/>
+          </p:cNvSpPr>
+          <p:nvPr>
+            <p:ph type="body" sz="quarter" idx="11"/>
+          </p:nvPr>
+        </p:nvSpPr>
+        <p:spPr/>
+        <p:txBody>
+          <a:bodyPr/>
+          <a:lstStyle/>
+          <a:p>
+            <a:endParaRPr lang="en-DE" dirty="0"/>
+          </a:p>
+        </p:txBody>
+      </p:sp>
+      <p:pic>
+        <p:nvPicPr>
+          <p:cNvPr id="5" name="Picture 4">
+            <a:extLst>
+              <a:ext uri="{FF2B5EF4-FFF2-40B4-BE49-F238E27FC236}">
+                <a16:creationId xmlns:a16="http://schemas.microsoft.com/office/drawing/2014/main" id="{8D64A084-BC4F-CEF0-8CBC-1C3BD4A7346E}"/>
+              </a:ext>
+            </a:extLst>
+          </p:cNvPr>
+          <p:cNvPicPr>
+            <a:picLocks noChangeAspect="1"/>
+          </p:cNvPicPr>
+          <p:nvPr/>
+        </p:nvPicPr>
+        <p:blipFill>
+          <a:blip r:embed="rId2"/>
+          <a:stretch>
+            <a:fillRect/>
+          </a:stretch>
+        </p:blipFill>
+        <p:spPr>
+          <a:xfrm>
+            <a:off x="1365091" y="2080599"/>
+            <a:ext cx="3692909" cy="2255358"/>
+          </a:xfrm>
+          <a:prstGeom prst="rect">
+            <a:avLst/>
+          </a:prstGeom>
+        </p:spPr>
+      </p:pic>
+      <p:pic>
+        <p:nvPicPr>
+          <p:cNvPr id="7" name="Picture 6">
+            <a:extLst>
+              <a:ext uri="{FF2B5EF4-FFF2-40B4-BE49-F238E27FC236}">
+                <a16:creationId xmlns:a16="http://schemas.microsoft.com/office/drawing/2014/main" id="{33633459-59F2-B908-ABF8-13925E474375}"/>
+              </a:ext>
+            </a:extLst>
+          </p:cNvPr>
+          <p:cNvPicPr>
+            <a:picLocks noChangeAspect="1"/>
+          </p:cNvPicPr>
+          <p:nvPr/>
+        </p:nvPicPr>
+        <p:blipFill>
+          <a:blip r:embed="rId3"/>
+          <a:stretch>
+            <a:fillRect/>
+          </a:stretch>
+        </p:blipFill>
+        <p:spPr>
+          <a:xfrm>
+            <a:off x="5497661" y="1146599"/>
+            <a:ext cx="3358339" cy="3700329"/>
+          </a:xfrm>
+          <a:prstGeom prst="rect">
+            <a:avLst/>
+          </a:prstGeom>
+        </p:spPr>
+      </p:pic>
+    </p:spTree>
+    <p:extLst>
+      <p:ext uri="{BB962C8B-B14F-4D97-AF65-F5344CB8AC3E}">
+        <p14:creationId xmlns:p14="http://schemas.microsoft.com/office/powerpoint/2010/main" val="3822846314"/>
+      </p:ext>
+    </p:extLst>
+  </p:cSld>
+  <p:clrMapOvr>
+    <a:masterClrMapping/>
+  </p:clrMapOvr>
+</p:sld>
+</file>
+
+<file path=ppt/slides/slide15.xml><?xml version="1.0" encoding="utf-8"?>
+<p:sld xmlns:a="http://schemas.openxmlformats.org/drawingml/2006/main" xmlns:r="http://schemas.openxmlformats.org/officeDocument/2006/relationships" xmlns:p="http://schemas.openxmlformats.org/presentationml/2006/main">
+  <p:cSld>
+    <p:spTree>
+      <p:nvGrpSpPr>
+        <p:cNvPr id="1" name="">
+          <a:extLst>
+            <a:ext uri="{FF2B5EF4-FFF2-40B4-BE49-F238E27FC236}">
+              <a16:creationId xmlns:a16="http://schemas.microsoft.com/office/drawing/2014/main" id="{25B6395B-B3CA-1F18-16C3-88FF01E7C831}"/>
+            </a:ext>
+          </a:extLst>
+        </p:cNvPr>
+        <p:cNvGrpSpPr/>
+        <p:nvPr/>
+      </p:nvGrpSpPr>
+      <p:grpSpPr>
+        <a:xfrm>
+          <a:off x="0" y="0"/>
+          <a:ext cx="0" cy="0"/>
+          <a:chOff x="0" y="0"/>
+          <a:chExt cx="0" cy="0"/>
+        </a:xfrm>
+      </p:grpSpPr>
+      <p:sp>
+        <p:nvSpPr>
+          <p:cNvPr id="2" name="Content Placeholder 1">
+            <a:extLst>
+              <a:ext uri="{FF2B5EF4-FFF2-40B4-BE49-F238E27FC236}">
+                <a16:creationId xmlns:a16="http://schemas.microsoft.com/office/drawing/2014/main" id="{F817D631-449A-8D9D-A367-9504C7AB31F9}"/>
+              </a:ext>
+            </a:extLst>
+          </p:cNvPr>
+          <p:cNvSpPr>
+            <a:spLocks noGrp="1"/>
+          </p:cNvSpPr>
+          <p:nvPr>
+            <p:ph sz="quarter" idx="10"/>
+          </p:nvPr>
+        </p:nvSpPr>
+        <p:spPr/>
+        <p:txBody>
+          <a:bodyPr/>
+          <a:lstStyle/>
+          <a:p>
+            <a:r>
+              <a:rPr lang="en-GB" dirty="0"/>
+              <a:t>Correlation grouping</a:t>
+            </a:r>
+            <a:endParaRPr lang="en-DE" dirty="0"/>
+          </a:p>
+        </p:txBody>
+      </p:sp>
+      <p:sp>
+        <p:nvSpPr>
+          <p:cNvPr id="3" name="Text Placeholder 2">
+            <a:extLst>
+              <a:ext uri="{FF2B5EF4-FFF2-40B4-BE49-F238E27FC236}">
+                <a16:creationId xmlns:a16="http://schemas.microsoft.com/office/drawing/2014/main" id="{1F2173A4-6D45-DAB2-F4F4-A12407105C9E}"/>
+              </a:ext>
+            </a:extLst>
+          </p:cNvPr>
+          <p:cNvSpPr>
+            <a:spLocks noGrp="1"/>
+          </p:cNvSpPr>
+          <p:nvPr>
+            <p:ph type="body" sz="quarter" idx="11"/>
+          </p:nvPr>
+        </p:nvSpPr>
+        <p:spPr/>
+        <p:txBody>
+          <a:bodyPr/>
+          <a:lstStyle/>
+          <a:p>
+            <a:r>
+              <a:rPr lang="en-GB" dirty="0"/>
+              <a:t>Group closely correlated features along RT</a:t>
+            </a:r>
+            <a:endParaRPr lang="en-DE" dirty="0"/>
+          </a:p>
+        </p:txBody>
+      </p:sp>
+      <p:pic>
+        <p:nvPicPr>
+          <p:cNvPr id="7" name="Picture 6">
+            <a:extLst>
+              <a:ext uri="{FF2B5EF4-FFF2-40B4-BE49-F238E27FC236}">
+                <a16:creationId xmlns:a16="http://schemas.microsoft.com/office/drawing/2014/main" id="{6590594C-0842-66AF-6A09-6749BC2B12F0}"/>
+              </a:ext>
+            </a:extLst>
+          </p:cNvPr>
+          <p:cNvPicPr>
+            <a:picLocks noChangeAspect="1"/>
+          </p:cNvPicPr>
+          <p:nvPr/>
+        </p:nvPicPr>
+        <p:blipFill>
+          <a:blip r:embed="rId2"/>
+          <a:stretch>
+            <a:fillRect/>
+          </a:stretch>
+        </p:blipFill>
+        <p:spPr>
+          <a:xfrm>
+            <a:off x="5871068" y="1465199"/>
+            <a:ext cx="3272932" cy="3433491"/>
+          </a:xfrm>
+          <a:prstGeom prst="rect">
+            <a:avLst/>
+          </a:prstGeom>
+        </p:spPr>
+      </p:pic>
+      <p:pic>
+        <p:nvPicPr>
+          <p:cNvPr id="11" name="Picture 10">
+            <a:extLst>
+              <a:ext uri="{FF2B5EF4-FFF2-40B4-BE49-F238E27FC236}">
+                <a16:creationId xmlns:a16="http://schemas.microsoft.com/office/drawing/2014/main" id="{4977B58B-830B-75A7-406A-2B3546623B34}"/>
+              </a:ext>
+            </a:extLst>
+          </p:cNvPr>
+          <p:cNvPicPr>
+            <a:picLocks noChangeAspect="1"/>
+          </p:cNvPicPr>
+          <p:nvPr/>
+        </p:nvPicPr>
+        <p:blipFill>
+          <a:blip r:embed="rId3"/>
+          <a:stretch>
+            <a:fillRect/>
+          </a:stretch>
+        </p:blipFill>
+        <p:spPr>
+          <a:xfrm>
+            <a:off x="2175769" y="1988994"/>
+            <a:ext cx="2497831" cy="2832100"/>
+          </a:xfrm>
+          <a:prstGeom prst="rect">
+            <a:avLst/>
+          </a:prstGeom>
+        </p:spPr>
+      </p:pic>
+    </p:spTree>
+    <p:extLst>
+      <p:ext uri="{BB962C8B-B14F-4D97-AF65-F5344CB8AC3E}">
+        <p14:creationId xmlns:p14="http://schemas.microsoft.com/office/powerpoint/2010/main" val="3520826807"/>
+      </p:ext>
+    </p:extLst>
+  </p:cSld>
+  <p:clrMapOvr>
+    <a:masterClrMapping/>
+  </p:clrMapOvr>
+</p:sld>
+</file>
+
+<file path=ppt/slides/slide16.xml><?xml version="1.0" encoding="utf-8"?>
+<p:sld xmlns:a="http://schemas.openxmlformats.org/drawingml/2006/main" xmlns:r="http://schemas.openxmlformats.org/officeDocument/2006/relationships" xmlns:p="http://schemas.openxmlformats.org/presentationml/2006/main">
+  <p:cSld>
+    <p:spTree>
+      <p:nvGrpSpPr>
+        <p:cNvPr id="1" name="">
+          <a:extLst>
+            <a:ext uri="{FF2B5EF4-FFF2-40B4-BE49-F238E27FC236}">
+              <a16:creationId xmlns:a16="http://schemas.microsoft.com/office/drawing/2014/main" id="{42ACBEF6-AB94-AFC6-BCA6-EAAA051D84CC}"/>
+            </a:ext>
+          </a:extLst>
+        </p:cNvPr>
+        <p:cNvGrpSpPr/>
+        <p:nvPr/>
+      </p:nvGrpSpPr>
+      <p:grpSpPr>
+        <a:xfrm>
+          <a:off x="0" y="0"/>
+          <a:ext cx="0" cy="0"/>
+          <a:chOff x="0" y="0"/>
+          <a:chExt cx="0" cy="0"/>
+        </a:xfrm>
+      </p:grpSpPr>
+      <p:sp>
+        <p:nvSpPr>
+          <p:cNvPr id="2" name="Content Placeholder 1">
+            <a:extLst>
+              <a:ext uri="{FF2B5EF4-FFF2-40B4-BE49-F238E27FC236}">
+                <a16:creationId xmlns:a16="http://schemas.microsoft.com/office/drawing/2014/main" id="{4422AB3E-56A6-88AF-B85C-F4E63933AC4A}"/>
+              </a:ext>
+            </a:extLst>
+          </p:cNvPr>
+          <p:cNvSpPr>
+            <a:spLocks noGrp="1"/>
+          </p:cNvSpPr>
+          <p:nvPr>
+            <p:ph sz="quarter" idx="10"/>
+          </p:nvPr>
+        </p:nvSpPr>
+        <p:spPr/>
+        <p:txBody>
+          <a:bodyPr/>
+          <a:lstStyle/>
+          <a:p>
+            <a:r>
+              <a:rPr lang="en-GB" dirty="0"/>
+              <a:t>Ion identity networking</a:t>
+            </a:r>
+            <a:endParaRPr lang="en-DE" dirty="0"/>
+          </a:p>
+        </p:txBody>
+      </p:sp>
+      <p:sp>
+        <p:nvSpPr>
+          <p:cNvPr id="3" name="Text Placeholder 2">
+            <a:extLst>
+              <a:ext uri="{FF2B5EF4-FFF2-40B4-BE49-F238E27FC236}">
+                <a16:creationId xmlns:a16="http://schemas.microsoft.com/office/drawing/2014/main" id="{6B352731-3AC0-A697-02EE-3FCC0FDF82A9}"/>
+              </a:ext>
+            </a:extLst>
+          </p:cNvPr>
+          <p:cNvSpPr>
+            <a:spLocks noGrp="1"/>
+          </p:cNvSpPr>
+          <p:nvPr>
+            <p:ph type="body" sz="quarter" idx="11"/>
+          </p:nvPr>
+        </p:nvSpPr>
+        <p:spPr/>
+        <p:txBody>
+          <a:bodyPr/>
+          <a:lstStyle/>
+          <a:p>
+            <a:r>
+              <a:rPr lang="en-GB" dirty="0"/>
+              <a:t>Preliminary networking for GNPS</a:t>
+            </a:r>
+            <a:endParaRPr lang="en-DE" dirty="0"/>
+          </a:p>
+        </p:txBody>
+      </p:sp>
+      <p:pic>
+        <p:nvPicPr>
+          <p:cNvPr id="5" name="Picture 4">
+            <a:extLst>
+              <a:ext uri="{FF2B5EF4-FFF2-40B4-BE49-F238E27FC236}">
+                <a16:creationId xmlns:a16="http://schemas.microsoft.com/office/drawing/2014/main" id="{57F9D6AF-7CBB-C88B-A4E4-551354C5F39C}"/>
+              </a:ext>
+            </a:extLst>
+          </p:cNvPr>
+          <p:cNvPicPr>
+            <a:picLocks noChangeAspect="1"/>
+          </p:cNvPicPr>
+          <p:nvPr/>
+        </p:nvPicPr>
+        <p:blipFill>
+          <a:blip r:embed="rId2"/>
+          <a:stretch>
+            <a:fillRect/>
+          </a:stretch>
+        </p:blipFill>
+        <p:spPr>
+          <a:xfrm>
+            <a:off x="1502445" y="2080599"/>
+            <a:ext cx="4432688" cy="2299837"/>
+          </a:xfrm>
+          <a:prstGeom prst="rect">
+            <a:avLst/>
+          </a:prstGeom>
+        </p:spPr>
+      </p:pic>
+    </p:spTree>
+    <p:extLst>
+      <p:ext uri="{BB962C8B-B14F-4D97-AF65-F5344CB8AC3E}">
+        <p14:creationId xmlns:p14="http://schemas.microsoft.com/office/powerpoint/2010/main" val="686311604"/>
+      </p:ext>
+    </p:extLst>
+  </p:cSld>
+  <p:clrMapOvr>
+    <a:masterClrMapping/>
+  </p:clrMapOvr>
+</p:sld>
+</file>
+
+<file path=ppt/slides/slide17.xml><?xml version="1.0" encoding="utf-8"?>
+<p:sld xmlns:a="http://schemas.openxmlformats.org/drawingml/2006/main" xmlns:r="http://schemas.openxmlformats.org/officeDocument/2006/relationships" xmlns:p="http://schemas.openxmlformats.org/presentationml/2006/main">
+  <p:cSld>
+    <p:spTree>
+      <p:nvGrpSpPr>
+        <p:cNvPr id="1" name="">
+          <a:extLst>
+            <a:ext uri="{FF2B5EF4-FFF2-40B4-BE49-F238E27FC236}">
+              <a16:creationId xmlns:a16="http://schemas.microsoft.com/office/drawing/2014/main" id="{7786CC2B-F130-7D3B-4487-6B05FB198FDC}"/>
+            </a:ext>
+          </a:extLst>
+        </p:cNvPr>
+        <p:cNvGrpSpPr/>
+        <p:nvPr/>
+      </p:nvGrpSpPr>
+      <p:grpSpPr>
+        <a:xfrm>
+          <a:off x="0" y="0"/>
+          <a:ext cx="0" cy="0"/>
+          <a:chOff x="0" y="0"/>
+          <a:chExt cx="0" cy="0"/>
+        </a:xfrm>
+      </p:grpSpPr>
+      <p:sp>
+        <p:nvSpPr>
+          <p:cNvPr id="2" name="Content Placeholder 1">
+            <a:extLst>
+              <a:ext uri="{FF2B5EF4-FFF2-40B4-BE49-F238E27FC236}">
+                <a16:creationId xmlns:a16="http://schemas.microsoft.com/office/drawing/2014/main" id="{4A5EADA6-E1C1-CD71-8149-9C6C6EBE9598}"/>
+              </a:ext>
+            </a:extLst>
+          </p:cNvPr>
+          <p:cNvSpPr>
+            <a:spLocks noGrp="1"/>
+          </p:cNvSpPr>
+          <p:nvPr>
+            <p:ph sz="quarter" idx="10"/>
+          </p:nvPr>
+        </p:nvSpPr>
+        <p:spPr/>
+        <p:txBody>
+          <a:bodyPr/>
+          <a:lstStyle/>
+          <a:p>
+            <a:r>
+              <a:rPr lang="en-GB" dirty="0"/>
+              <a:t>Local database search + Lipid annotation</a:t>
+            </a:r>
+            <a:endParaRPr lang="en-DE" dirty="0"/>
+          </a:p>
+        </p:txBody>
+      </p:sp>
+      <p:sp>
+        <p:nvSpPr>
+          <p:cNvPr id="3" name="Text Placeholder 2">
+            <a:extLst>
+              <a:ext uri="{FF2B5EF4-FFF2-40B4-BE49-F238E27FC236}">
+                <a16:creationId xmlns:a16="http://schemas.microsoft.com/office/drawing/2014/main" id="{7DD5CDCD-0F0A-A1CF-33A3-514111950B78}"/>
+              </a:ext>
+            </a:extLst>
+          </p:cNvPr>
+          <p:cNvSpPr>
+            <a:spLocks noGrp="1"/>
+          </p:cNvSpPr>
+          <p:nvPr>
+            <p:ph type="body" sz="quarter" idx="11"/>
+          </p:nvPr>
+        </p:nvSpPr>
+        <p:spPr/>
+        <p:txBody>
+          <a:bodyPr/>
+          <a:lstStyle/>
+          <a:p>
+            <a:endParaRPr lang="en-DE"/>
+          </a:p>
+        </p:txBody>
+      </p:sp>
+      <p:pic>
+        <p:nvPicPr>
+          <p:cNvPr id="5" name="Picture 4">
+            <a:extLst>
+              <a:ext uri="{FF2B5EF4-FFF2-40B4-BE49-F238E27FC236}">
+                <a16:creationId xmlns:a16="http://schemas.microsoft.com/office/drawing/2014/main" id="{7662F23A-B435-8C69-2F49-7809DF486B0E}"/>
+              </a:ext>
+            </a:extLst>
+          </p:cNvPr>
+          <p:cNvPicPr>
+            <a:picLocks noChangeAspect="1"/>
+          </p:cNvPicPr>
+          <p:nvPr/>
+        </p:nvPicPr>
+        <p:blipFill>
+          <a:blip r:embed="rId2"/>
+          <a:stretch>
+            <a:fillRect/>
+          </a:stretch>
+        </p:blipFill>
+        <p:spPr>
+          <a:xfrm>
+            <a:off x="1365495" y="1596783"/>
+            <a:ext cx="2660938" cy="3270638"/>
+          </a:xfrm>
+          <a:prstGeom prst="rect">
+            <a:avLst/>
+          </a:prstGeom>
+        </p:spPr>
+      </p:pic>
+      <p:pic>
+        <p:nvPicPr>
+          <p:cNvPr id="7" name="Picture 6">
+            <a:extLst>
+              <a:ext uri="{FF2B5EF4-FFF2-40B4-BE49-F238E27FC236}">
+                <a16:creationId xmlns:a16="http://schemas.microsoft.com/office/drawing/2014/main" id="{350714B1-ED18-566D-C6A8-6D15CE4767C3}"/>
+              </a:ext>
+            </a:extLst>
+          </p:cNvPr>
+          <p:cNvPicPr>
+            <a:picLocks noChangeAspect="1"/>
+          </p:cNvPicPr>
+          <p:nvPr/>
+        </p:nvPicPr>
+        <p:blipFill>
+          <a:blip r:embed="rId3"/>
+          <a:stretch>
+            <a:fillRect/>
+          </a:stretch>
+        </p:blipFill>
+        <p:spPr>
+          <a:xfrm>
+            <a:off x="4348518" y="1596782"/>
+            <a:ext cx="4367717" cy="3270637"/>
+          </a:xfrm>
+          <a:prstGeom prst="rect">
+            <a:avLst/>
+          </a:prstGeom>
+        </p:spPr>
+      </p:pic>
+    </p:spTree>
+    <p:extLst>
+      <p:ext uri="{BB962C8B-B14F-4D97-AF65-F5344CB8AC3E}">
+        <p14:creationId xmlns:p14="http://schemas.microsoft.com/office/powerpoint/2010/main" val="3034057599"/>
+      </p:ext>
+    </p:extLst>
+  </p:cSld>
+  <p:clrMapOvr>
+    <a:masterClrMapping/>
+  </p:clrMapOvr>
+</p:sld>
+</file>
+
+<file path=ppt/slides/slide18.xml><?xml version="1.0" encoding="utf-8"?>
+<p:sld xmlns:a="http://schemas.openxmlformats.org/drawingml/2006/main" xmlns:r="http://schemas.openxmlformats.org/officeDocument/2006/relationships" xmlns:p="http://schemas.openxmlformats.org/presentationml/2006/main">
+  <p:cSld>
+    <p:spTree>
+      <p:nvGrpSpPr>
+        <p:cNvPr id="1" name="">
+          <a:extLst>
+            <a:ext uri="{FF2B5EF4-FFF2-40B4-BE49-F238E27FC236}">
+              <a16:creationId xmlns:a16="http://schemas.microsoft.com/office/drawing/2014/main" id="{3348A790-31B2-E272-E81A-EEC34AD8C639}"/>
+            </a:ext>
+          </a:extLst>
+        </p:cNvPr>
+        <p:cNvGrpSpPr/>
+        <p:nvPr/>
+      </p:nvGrpSpPr>
+      <p:grpSpPr>
+        <a:xfrm>
+          <a:off x="0" y="0"/>
+          <a:ext cx="0" cy="0"/>
+          <a:chOff x="0" y="0"/>
+          <a:chExt cx="0" cy="0"/>
+        </a:xfrm>
+      </p:grpSpPr>
+      <p:sp>
+        <p:nvSpPr>
+          <p:cNvPr id="2" name="Content Placeholder 1">
+            <a:extLst>
+              <a:ext uri="{FF2B5EF4-FFF2-40B4-BE49-F238E27FC236}">
+                <a16:creationId xmlns:a16="http://schemas.microsoft.com/office/drawing/2014/main" id="{2D52A63C-4DD9-C1B6-06AC-4ED6D0EE73C3}"/>
+              </a:ext>
+            </a:extLst>
+          </p:cNvPr>
+          <p:cNvSpPr>
+            <a:spLocks noGrp="1"/>
+          </p:cNvSpPr>
+          <p:nvPr>
+            <p:ph sz="quarter" idx="10"/>
+          </p:nvPr>
+        </p:nvSpPr>
+        <p:spPr/>
+        <p:txBody>
+          <a:bodyPr/>
+          <a:lstStyle/>
+          <a:p>
+            <a:r>
+              <a:rPr lang="en-GB" dirty="0"/>
+              <a:t>Spectral / Molecular Networking</a:t>
+            </a:r>
+            <a:endParaRPr lang="en-DE" dirty="0"/>
+          </a:p>
+        </p:txBody>
+      </p:sp>
+      <p:sp>
+        <p:nvSpPr>
+          <p:cNvPr id="3" name="Text Placeholder 2">
+            <a:extLst>
+              <a:ext uri="{FF2B5EF4-FFF2-40B4-BE49-F238E27FC236}">
+                <a16:creationId xmlns:a16="http://schemas.microsoft.com/office/drawing/2014/main" id="{50B78617-8C76-DAC5-AE70-141C551BB4BE}"/>
+              </a:ext>
+            </a:extLst>
+          </p:cNvPr>
+          <p:cNvSpPr>
+            <a:spLocks noGrp="1"/>
+          </p:cNvSpPr>
+          <p:nvPr>
+            <p:ph type="body" sz="quarter" idx="11"/>
+          </p:nvPr>
+        </p:nvSpPr>
+        <p:spPr/>
+        <p:txBody>
+          <a:bodyPr/>
+          <a:lstStyle/>
+          <a:p>
+            <a:r>
+              <a:rPr lang="en-GB" dirty="0"/>
+              <a:t>Like GNPS, but only low masses &amp; cosine similarity metric</a:t>
+            </a:r>
+            <a:endParaRPr lang="en-DE" dirty="0"/>
+          </a:p>
+        </p:txBody>
+      </p:sp>
+      <p:pic>
+        <p:nvPicPr>
+          <p:cNvPr id="5" name="Picture 4">
+            <a:extLst>
+              <a:ext uri="{FF2B5EF4-FFF2-40B4-BE49-F238E27FC236}">
+                <a16:creationId xmlns:a16="http://schemas.microsoft.com/office/drawing/2014/main" id="{AA23FCE8-4F1B-1039-182A-6F0D14998A1C}"/>
+              </a:ext>
+            </a:extLst>
+          </p:cNvPr>
+          <p:cNvPicPr>
+            <a:picLocks noChangeAspect="1"/>
+          </p:cNvPicPr>
+          <p:nvPr/>
+        </p:nvPicPr>
+        <p:blipFill>
+          <a:blip r:embed="rId2"/>
+          <a:stretch>
+            <a:fillRect/>
+          </a:stretch>
+        </p:blipFill>
+        <p:spPr>
+          <a:xfrm>
+            <a:off x="1491923" y="2389152"/>
+            <a:ext cx="2884706" cy="1926348"/>
+          </a:xfrm>
+          <a:prstGeom prst="rect">
+            <a:avLst/>
+          </a:prstGeom>
+        </p:spPr>
+      </p:pic>
+      <p:pic>
+        <p:nvPicPr>
+          <p:cNvPr id="7" name="Picture 6">
+            <a:extLst>
+              <a:ext uri="{FF2B5EF4-FFF2-40B4-BE49-F238E27FC236}">
+                <a16:creationId xmlns:a16="http://schemas.microsoft.com/office/drawing/2014/main" id="{DFF49F45-19F5-2668-A57B-8509DD9931BC}"/>
+              </a:ext>
+            </a:extLst>
+          </p:cNvPr>
+          <p:cNvPicPr>
+            <a:picLocks noChangeAspect="1"/>
+          </p:cNvPicPr>
+          <p:nvPr/>
+        </p:nvPicPr>
+        <p:blipFill>
+          <a:blip r:embed="rId3"/>
+          <a:stretch>
+            <a:fillRect/>
+          </a:stretch>
+        </p:blipFill>
+        <p:spPr>
+          <a:xfrm>
+            <a:off x="4572000" y="1990872"/>
+            <a:ext cx="4012562" cy="2856477"/>
+          </a:xfrm>
+          <a:prstGeom prst="rect">
+            <a:avLst/>
+          </a:prstGeom>
+        </p:spPr>
+      </p:pic>
+    </p:spTree>
+    <p:extLst>
+      <p:ext uri="{BB962C8B-B14F-4D97-AF65-F5344CB8AC3E}">
+        <p14:creationId xmlns:p14="http://schemas.microsoft.com/office/powerpoint/2010/main" val="3946072092"/>
+      </p:ext>
+    </p:extLst>
+  </p:cSld>
+  <p:clrMapOvr>
+    <a:masterClrMapping/>
+  </p:clrMapOvr>
+</p:sld>
+</file>
+
+<file path=ppt/slides/slide19.xml><?xml version="1.0" encoding="utf-8"?>
+<p:sld xmlns:a="http://schemas.openxmlformats.org/drawingml/2006/main" xmlns:r="http://schemas.openxmlformats.org/officeDocument/2006/relationships" xmlns:p="http://schemas.openxmlformats.org/presentationml/2006/main">
+  <p:cSld>
+    <p:spTree>
+      <p:nvGrpSpPr>
+        <p:cNvPr id="1" name="">
+          <a:extLst>
+            <a:ext uri="{FF2B5EF4-FFF2-40B4-BE49-F238E27FC236}">
+              <a16:creationId xmlns:a16="http://schemas.microsoft.com/office/drawing/2014/main" id="{FBAAB25C-1FF5-AB96-14AC-381A3F46654A}"/>
+            </a:ext>
+          </a:extLst>
+        </p:cNvPr>
+        <p:cNvGrpSpPr/>
+        <p:nvPr/>
+      </p:nvGrpSpPr>
+      <p:grpSpPr>
+        <a:xfrm>
+          <a:off x="0" y="0"/>
+          <a:ext cx="0" cy="0"/>
+          <a:chOff x="0" y="0"/>
+          <a:chExt cx="0" cy="0"/>
+        </a:xfrm>
+      </p:grpSpPr>
+      <p:sp>
+        <p:nvSpPr>
+          <p:cNvPr id="2" name="Content Placeholder 1">
+            <a:extLst>
+              <a:ext uri="{FF2B5EF4-FFF2-40B4-BE49-F238E27FC236}">
+                <a16:creationId xmlns:a16="http://schemas.microsoft.com/office/drawing/2014/main" id="{50A009F7-560D-F8B8-3AB9-8C5795D92F78}"/>
+              </a:ext>
+            </a:extLst>
+          </p:cNvPr>
+          <p:cNvSpPr>
+            <a:spLocks noGrp="1"/>
+          </p:cNvSpPr>
+          <p:nvPr>
+            <p:ph sz="quarter" idx="10"/>
+          </p:nvPr>
+        </p:nvSpPr>
+        <p:spPr/>
+        <p:txBody>
+          <a:bodyPr/>
+          <a:lstStyle/>
+          <a:p>
+            <a:r>
+              <a:rPr lang="en-GB" dirty="0"/>
+              <a:t>Export</a:t>
+            </a:r>
+            <a:endParaRPr lang="en-DE" dirty="0"/>
+          </a:p>
+        </p:txBody>
+      </p:sp>
+      <p:sp>
+        <p:nvSpPr>
+          <p:cNvPr id="3" name="Text Placeholder 2">
+            <a:extLst>
+              <a:ext uri="{FF2B5EF4-FFF2-40B4-BE49-F238E27FC236}">
+                <a16:creationId xmlns:a16="http://schemas.microsoft.com/office/drawing/2014/main" id="{C866D826-E155-4C02-10EC-A9F33199CE16}"/>
+              </a:ext>
+            </a:extLst>
+          </p:cNvPr>
+          <p:cNvSpPr>
+            <a:spLocks noGrp="1"/>
+          </p:cNvSpPr>
+          <p:nvPr>
+            <p:ph type="body" sz="quarter" idx="11"/>
+          </p:nvPr>
+        </p:nvSpPr>
+        <p:spPr>
+          <a:xfrm>
+            <a:off x="1260000" y="1634400"/>
+            <a:ext cx="7596000" cy="2005677"/>
+          </a:xfrm>
+        </p:spPr>
+        <p:txBody>
+          <a:bodyPr/>
+          <a:lstStyle/>
+          <a:p>
+            <a:r>
+              <a:rPr lang="en-GB" dirty="0"/>
+              <a:t>As a quantification table (.csv) + MS2 feature information (.</a:t>
+            </a:r>
+            <a:r>
+              <a:rPr lang="en-GB" dirty="0" err="1"/>
+              <a:t>mgf</a:t>
+            </a:r>
+            <a:r>
+              <a:rPr lang="en-GB" dirty="0"/>
+              <a:t>)</a:t>
+            </a:r>
+          </a:p>
+          <a:p>
+            <a:pPr lvl="1"/>
+            <a:r>
+              <a:rPr lang="en-GB" dirty="0"/>
+              <a:t>For GNPS</a:t>
+            </a:r>
+          </a:p>
+          <a:p>
+            <a:pPr lvl="1"/>
+            <a:r>
+              <a:rPr lang="en-GB" dirty="0"/>
+              <a:t>Feature-based-molecular-networking (FBMN) job can be started directly</a:t>
+            </a:r>
+          </a:p>
+          <a:p>
+            <a:r>
+              <a:rPr lang="en-GB" dirty="0"/>
+              <a:t>MS1 + MS2 feature information (.</a:t>
+            </a:r>
+            <a:r>
+              <a:rPr lang="en-GB" dirty="0" err="1"/>
+              <a:t>mgf</a:t>
+            </a:r>
+            <a:r>
+              <a:rPr lang="en-GB" dirty="0"/>
+              <a:t>)</a:t>
+            </a:r>
+          </a:p>
+          <a:p>
+            <a:pPr lvl="1"/>
+            <a:r>
+              <a:rPr lang="en-GB" dirty="0"/>
+              <a:t>For SIRIUS</a:t>
+            </a:r>
+          </a:p>
+          <a:p>
+            <a:r>
+              <a:rPr lang="en-GB"/>
+              <a:t>Annotations (.csv)</a:t>
+            </a:r>
+          </a:p>
+        </p:txBody>
+      </p:sp>
+    </p:spTree>
+    <p:extLst>
+      <p:ext uri="{BB962C8B-B14F-4D97-AF65-F5344CB8AC3E}">
+        <p14:creationId xmlns:p14="http://schemas.microsoft.com/office/powerpoint/2010/main" val="3336708826"/>
+      </p:ext>
+    </p:extLst>
+  </p:cSld>
+  <p:clrMapOvr>
+    <a:masterClrMapping/>
+  </p:clrMapOvr>
+</p:sld>
+</file>
+
 <file path=ppt/slides/slide2.xml><?xml version="1.0" encoding="utf-8"?>
 <p:sld xmlns:a="http://schemas.openxmlformats.org/drawingml/2006/main" xmlns:r="http://schemas.openxmlformats.org/officeDocument/2006/relationships" xmlns:p="http://schemas.openxmlformats.org/presentationml/2006/main">
   <p:cSld>
@@ -3245,7 +4699,7 @@
           <a:p>
             <a:r>
               <a:rPr lang="en-GB" dirty="0"/>
-              <a:t>Starting question</a:t>
+              <a:t>Analysis Pipeline of LC-MS difference essay</a:t>
             </a:r>
             <a:endParaRPr lang="en-DE" dirty="0"/>
           </a:p>
@@ -3253,10 +4707,10 @@
       </p:sp>
       <p:sp>
         <p:nvSpPr>
-          <p:cNvPr id="3" name="Text Placeholder 2">
+          <p:cNvPr id="9" name="Text Placeholder 8">
             <a:extLst>
               <a:ext uri="{FF2B5EF4-FFF2-40B4-BE49-F238E27FC236}">
-                <a16:creationId xmlns:a16="http://schemas.microsoft.com/office/drawing/2014/main" id="{FC806AD7-5AE5-B450-23DE-FB14A8D14ED3}"/>
+                <a16:creationId xmlns:a16="http://schemas.microsoft.com/office/drawing/2014/main" id="{D3F041AA-8AF6-621F-A68F-28EFC9C1C5DD}"/>
               </a:ext>
             </a:extLst>
           </p:cNvPr>
@@ -3267,318 +4721,247 @@
             <p:ph type="body" sz="quarter" idx="11"/>
           </p:nvPr>
         </p:nvSpPr>
-        <p:spPr>
-          <a:xfrm>
-            <a:off x="1260000" y="1634400"/>
-            <a:ext cx="7596000" cy="553998"/>
-          </a:xfrm>
-        </p:spPr>
+        <p:spPr/>
         <p:txBody>
           <a:bodyPr/>
           <a:lstStyle/>
           <a:p>
-            <a:pPr algn="l"/>
-            <a:r>
-              <a:rPr lang="en-GB" b="0" i="0" u="none" strike="noStrike" baseline="0" dirty="0">
-                <a:latin typeface="Calibri" panose="020F0502020204030204" pitchFamily="34" charset="0"/>
-                <a:ea typeface="Calibri" panose="020F0502020204030204" pitchFamily="34" charset="0"/>
-                <a:cs typeface="Calibri" panose="020F0502020204030204" pitchFamily="34" charset="0"/>
-              </a:rPr>
-              <a:t>Can the composition of microbial communities be inferred through the analysis of flow-injection mass spectrometry runs?</a:t>
-            </a:r>
+            <a:endParaRPr lang="en-DE"/>
           </a:p>
         </p:txBody>
       </p:sp>
-      <p:grpSp>
-        <p:nvGrpSpPr>
-          <p:cNvPr id="25" name="Group 24">
-            <a:extLst>
-              <a:ext uri="{FF2B5EF4-FFF2-40B4-BE49-F238E27FC236}">
-                <a16:creationId xmlns:a16="http://schemas.microsoft.com/office/drawing/2014/main" id="{FC5752F0-107E-6B0F-5378-A0C317861552}"/>
-              </a:ext>
-            </a:extLst>
-          </p:cNvPr>
-          <p:cNvGrpSpPr/>
-          <p:nvPr/>
-        </p:nvGrpSpPr>
-        <p:grpSpPr>
-          <a:xfrm>
-            <a:off x="2564737" y="2744835"/>
-            <a:ext cx="4457855" cy="1110953"/>
-            <a:chOff x="4754880" y="1846631"/>
-            <a:chExt cx="3186663" cy="794156"/>
-          </a:xfrm>
-        </p:grpSpPr>
-        <p:grpSp>
-          <p:nvGrpSpPr>
-            <p:cNvPr id="24" name="Group 23">
-              <a:extLst>
-                <a:ext uri="{FF2B5EF4-FFF2-40B4-BE49-F238E27FC236}">
-                  <a16:creationId xmlns:a16="http://schemas.microsoft.com/office/drawing/2014/main" id="{BCE98034-3C7B-EF9B-AF2C-FF742FEB0B56}"/>
-                </a:ext>
-              </a:extLst>
-            </p:cNvPr>
-            <p:cNvGrpSpPr/>
-            <p:nvPr/>
-          </p:nvGrpSpPr>
-          <p:grpSpPr>
-            <a:xfrm>
-              <a:off x="4754880" y="1898751"/>
-              <a:ext cx="3186663" cy="742036"/>
-              <a:chOff x="4572000" y="1898751"/>
-              <a:chExt cx="3369543" cy="802672"/>
-            </a:xfrm>
-          </p:grpSpPr>
-          <p:pic>
-            <p:nvPicPr>
-              <p:cNvPr id="4" name="Graphic 3" descr="Germ outline">
-                <a:extLst>
-                  <a:ext uri="{FF2B5EF4-FFF2-40B4-BE49-F238E27FC236}">
-                    <a16:creationId xmlns:a16="http://schemas.microsoft.com/office/drawing/2014/main" id="{C4826B40-8942-FAB9-CAE7-0F352F95C8E1}"/>
-                  </a:ext>
-                </a:extLst>
-              </p:cNvPr>
-              <p:cNvPicPr>
-                <a:picLocks noChangeAspect="1"/>
-              </p:cNvPicPr>
-              <p:nvPr/>
-            </p:nvPicPr>
-            <p:blipFill>
-              <a:blip r:embed="rId3">
-                <a:extLst>
-                  <a:ext uri="{28A0092B-C50C-407E-A947-70E740481C1C}">
-                    <a14:useLocalDpi xmlns:a14="http://schemas.microsoft.com/office/drawing/2010/main" val="0"/>
-                  </a:ext>
-                  <a:ext uri="{96DAC541-7B7A-43D3-8B79-37D633B846F1}">
-                    <asvg:svgBlip xmlns:asvg="http://schemas.microsoft.com/office/drawing/2016/SVG/main" r:embed="rId4"/>
-                  </a:ext>
-                </a:extLst>
-              </a:blip>
-              <a:stretch>
-                <a:fillRect/>
-              </a:stretch>
-            </p:blipFill>
-            <p:spPr>
-              <a:xfrm>
-                <a:off x="7357756" y="2059314"/>
-                <a:ext cx="583787" cy="583787"/>
-              </a:xfrm>
-              <a:prstGeom prst="rect">
-                <a:avLst/>
-              </a:prstGeom>
-            </p:spPr>
-          </p:pic>
-          <p:pic>
-            <p:nvPicPr>
-              <p:cNvPr id="5" name="Graphic 4" descr="Cauldron with solid fill">
-                <a:extLst>
-                  <a:ext uri="{FF2B5EF4-FFF2-40B4-BE49-F238E27FC236}">
-                    <a16:creationId xmlns:a16="http://schemas.microsoft.com/office/drawing/2014/main" id="{012D4DE1-29DA-19A9-5276-7A8C485AE7DD}"/>
-                  </a:ext>
-                </a:extLst>
-              </p:cNvPr>
-              <p:cNvPicPr>
-                <a:picLocks noChangeAspect="1"/>
-              </p:cNvPicPr>
-              <p:nvPr/>
-            </p:nvPicPr>
-            <p:blipFill>
-              <a:blip r:embed="rId5">
-                <a:extLst>
-                  <a:ext uri="{28A0092B-C50C-407E-A947-70E740481C1C}">
-                    <a14:useLocalDpi xmlns:a14="http://schemas.microsoft.com/office/drawing/2010/main" val="0"/>
-                  </a:ext>
-                  <a:ext uri="{96DAC541-7B7A-43D3-8B79-37D633B846F1}">
-                    <asvg:svgBlip xmlns:asvg="http://schemas.microsoft.com/office/drawing/2016/SVG/main" r:embed="rId6"/>
-                  </a:ext>
-                </a:extLst>
-              </a:blip>
-              <a:stretch>
-                <a:fillRect/>
-              </a:stretch>
-            </p:blipFill>
-            <p:spPr>
-              <a:xfrm>
-                <a:off x="4572000" y="2238451"/>
-                <a:ext cx="462972" cy="462972"/>
-              </a:xfrm>
-              <a:prstGeom prst="rect">
-                <a:avLst/>
-              </a:prstGeom>
-            </p:spPr>
-          </p:pic>
-          <p:cxnSp>
-            <p:nvCxnSpPr>
-              <p:cNvPr id="6" name="Connector: Curved 5">
-                <a:extLst>
-                  <a:ext uri="{FF2B5EF4-FFF2-40B4-BE49-F238E27FC236}">
-                    <a16:creationId xmlns:a16="http://schemas.microsoft.com/office/drawing/2014/main" id="{BB1D28BA-7A60-2E0C-0BD7-24AC1B9CD7FF}"/>
-                  </a:ext>
-                </a:extLst>
-              </p:cNvPr>
-              <p:cNvCxnSpPr>
-                <a:cxnSpLocks/>
-                <a:stCxn id="5" idx="0"/>
-              </p:cNvCxnSpPr>
-              <p:nvPr/>
-            </p:nvCxnSpPr>
-            <p:spPr>
-              <a:xfrm rot="16200000" flipH="1">
-                <a:off x="5208721" y="1833215"/>
-                <a:ext cx="333301" cy="1143772"/>
-              </a:xfrm>
-              <a:prstGeom prst="curvedConnector4">
-                <a:avLst>
-                  <a:gd name="adj1" fmla="val -68587"/>
-                  <a:gd name="adj2" fmla="val 60119"/>
-                </a:avLst>
-              </a:prstGeom>
-              <a:ln w="28575">
-                <a:solidFill>
-                  <a:schemeClr val="tx1"/>
-                </a:solidFill>
-                <a:tailEnd type="triangle"/>
-              </a:ln>
-            </p:spPr>
-            <p:style>
-              <a:lnRef idx="1">
-                <a:schemeClr val="accent4"/>
-              </a:lnRef>
-              <a:fillRef idx="0">
-                <a:schemeClr val="accent4"/>
-              </a:fillRef>
-              <a:effectRef idx="0">
-                <a:schemeClr val="accent4"/>
-              </a:effectRef>
-              <a:fontRef idx="minor">
-                <a:schemeClr val="tx1"/>
-              </a:fontRef>
-            </p:style>
-          </p:cxnSp>
-          <p:pic>
-            <p:nvPicPr>
-              <p:cNvPr id="7" name="Picture 6" descr="A grey object with a black background&#10;&#10;Description automatically generated">
-                <a:extLst>
-                  <a:ext uri="{FF2B5EF4-FFF2-40B4-BE49-F238E27FC236}">
-                    <a16:creationId xmlns:a16="http://schemas.microsoft.com/office/drawing/2014/main" id="{FF3561CB-E00E-BC83-4D74-8C98855B9055}"/>
-                  </a:ext>
-                </a:extLst>
-              </p:cNvPr>
-              <p:cNvPicPr>
-                <a:picLocks noChangeAspect="1"/>
-              </p:cNvPicPr>
-              <p:nvPr/>
-            </p:nvPicPr>
-            <p:blipFill>
-              <a:blip r:embed="rId7" cstate="print">
-                <a:extLst>
-                  <a:ext uri="{28A0092B-C50C-407E-A947-70E740481C1C}">
-                    <a14:useLocalDpi xmlns:a14="http://schemas.microsoft.com/office/drawing/2010/main" val="0"/>
-                  </a:ext>
-                </a:extLst>
-              </a:blip>
-              <a:stretch>
-                <a:fillRect/>
-              </a:stretch>
-            </p:blipFill>
-            <p:spPr>
-              <a:xfrm>
-                <a:off x="5666981" y="1898751"/>
-                <a:ext cx="776319" cy="792156"/>
-              </a:xfrm>
-              <a:prstGeom prst="rect">
-                <a:avLst/>
-              </a:prstGeom>
-            </p:spPr>
-          </p:pic>
-          <p:sp>
-            <p:nvSpPr>
-              <p:cNvPr id="19" name="Arrow: Right 18">
-                <a:extLst>
-                  <a:ext uri="{FF2B5EF4-FFF2-40B4-BE49-F238E27FC236}">
-                    <a16:creationId xmlns:a16="http://schemas.microsoft.com/office/drawing/2014/main" id="{F785DBA6-7561-1522-692C-246B4995EC0C}"/>
-                  </a:ext>
-                </a:extLst>
-              </p:cNvPr>
-              <p:cNvSpPr/>
-              <p:nvPr/>
-            </p:nvSpPr>
-            <p:spPr>
-              <a:xfrm>
-                <a:off x="6626872" y="2297857"/>
-                <a:ext cx="679924" cy="138104"/>
-              </a:xfrm>
-              <a:prstGeom prst="rightArrow">
-                <a:avLst/>
-              </a:prstGeom>
-            </p:spPr>
-            <p:style>
-              <a:lnRef idx="2">
-                <a:schemeClr val="accent1">
-                  <a:shade val="15000"/>
-                </a:schemeClr>
-              </a:lnRef>
-              <a:fillRef idx="1">
-                <a:schemeClr val="accent1"/>
-              </a:fillRef>
-              <a:effectRef idx="0">
-                <a:schemeClr val="accent1"/>
-              </a:effectRef>
-              <a:fontRef idx="minor">
-                <a:schemeClr val="lt1"/>
-              </a:fontRef>
-            </p:style>
-            <p:txBody>
-              <a:bodyPr rtlCol="0" anchor="ctr"/>
-              <a:lstStyle/>
-              <a:p>
-                <a:pPr algn="ctr"/>
-                <a:endParaRPr lang="en-DE"/>
-              </a:p>
-            </p:txBody>
-          </p:sp>
-        </p:grpSp>
-        <p:pic>
-          <p:nvPicPr>
-            <p:cNvPr id="21" name="Graphic 20" descr="Badge Question Mark with solid fill">
-              <a:extLst>
-                <a:ext uri="{FF2B5EF4-FFF2-40B4-BE49-F238E27FC236}">
-                  <a16:creationId xmlns:a16="http://schemas.microsoft.com/office/drawing/2014/main" id="{669FEBBA-5F2A-54DA-F0A0-E23974A7321C}"/>
-                </a:ext>
-              </a:extLst>
-            </p:cNvPr>
-            <p:cNvPicPr>
-              <a:picLocks noChangeAspect="1"/>
-            </p:cNvPicPr>
-            <p:nvPr/>
-          </p:nvPicPr>
-          <p:blipFill>
-            <a:blip r:embed="rId8">
-              <a:extLst>
-                <a:ext uri="{96DAC541-7B7A-43D3-8B79-37D633B846F1}">
-                  <asvg:svgBlip xmlns:asvg="http://schemas.microsoft.com/office/drawing/2016/SVG/main" r:embed="rId9"/>
-                </a:ext>
-              </a:extLst>
-            </a:blip>
-            <a:stretch>
-              <a:fillRect/>
-            </a:stretch>
-          </p:blipFill>
-          <p:spPr>
-            <a:xfrm>
-              <a:off x="6815223" y="1846631"/>
-              <a:ext cx="418277" cy="418277"/>
-            </a:xfrm>
-            <a:prstGeom prst="rect">
-              <a:avLst/>
-            </a:prstGeom>
-          </p:spPr>
-        </p:pic>
-      </p:grpSp>
     </p:spTree>
     <p:extLst>
       <p:ext uri="{BB962C8B-B14F-4D97-AF65-F5344CB8AC3E}">
         <p14:creationId xmlns:p14="http://schemas.microsoft.com/office/powerpoint/2010/main" val="2885853342"/>
+      </p:ext>
+    </p:extLst>
+  </p:cSld>
+  <p:clrMapOvr>
+    <a:masterClrMapping/>
+  </p:clrMapOvr>
+</p:sld>
+</file>
+
+<file path=ppt/slides/slide20.xml><?xml version="1.0" encoding="utf-8"?>
+<p:sld xmlns:a="http://schemas.openxmlformats.org/drawingml/2006/main" xmlns:r="http://schemas.openxmlformats.org/officeDocument/2006/relationships" xmlns:p="http://schemas.openxmlformats.org/presentationml/2006/main">
+  <p:cSld>
+    <p:spTree>
+      <p:nvGrpSpPr>
+        <p:cNvPr id="1" name="">
+          <a:extLst>
+            <a:ext uri="{FF2B5EF4-FFF2-40B4-BE49-F238E27FC236}">
+              <a16:creationId xmlns:a16="http://schemas.microsoft.com/office/drawing/2014/main" id="{3BCDB286-C594-69AE-210E-CCDC8FE80BC5}"/>
+            </a:ext>
+          </a:extLst>
+        </p:cNvPr>
+        <p:cNvGrpSpPr/>
+        <p:nvPr/>
+      </p:nvGrpSpPr>
+      <p:grpSpPr>
+        <a:xfrm>
+          <a:off x="0" y="0"/>
+          <a:ext cx="0" cy="0"/>
+          <a:chOff x="0" y="0"/>
+          <a:chExt cx="0" cy="0"/>
+        </a:xfrm>
+      </p:grpSpPr>
+      <p:sp>
+        <p:nvSpPr>
+          <p:cNvPr id="2" name="Content Placeholder 1">
+            <a:extLst>
+              <a:ext uri="{FF2B5EF4-FFF2-40B4-BE49-F238E27FC236}">
+                <a16:creationId xmlns:a16="http://schemas.microsoft.com/office/drawing/2014/main" id="{FBB3F9F3-DC57-1461-1A9C-1BA0A89038BD}"/>
+              </a:ext>
+            </a:extLst>
+          </p:cNvPr>
+          <p:cNvSpPr>
+            <a:spLocks noGrp="1"/>
+          </p:cNvSpPr>
+          <p:nvPr>
+            <p:ph sz="quarter" idx="10"/>
+          </p:nvPr>
+        </p:nvSpPr>
+        <p:spPr/>
+        <p:txBody>
+          <a:bodyPr/>
+          <a:lstStyle/>
+          <a:p>
+            <a:endParaRPr lang="en-DE"/>
+          </a:p>
+        </p:txBody>
+      </p:sp>
+      <p:sp>
+        <p:nvSpPr>
+          <p:cNvPr id="3" name="Text Placeholder 2">
+            <a:extLst>
+              <a:ext uri="{FF2B5EF4-FFF2-40B4-BE49-F238E27FC236}">
+                <a16:creationId xmlns:a16="http://schemas.microsoft.com/office/drawing/2014/main" id="{207A63A8-ABD2-4EE1-1167-161B618A5514}"/>
+              </a:ext>
+            </a:extLst>
+          </p:cNvPr>
+          <p:cNvSpPr>
+            <a:spLocks noGrp="1"/>
+          </p:cNvSpPr>
+          <p:nvPr>
+            <p:ph type="body" sz="quarter" idx="11"/>
+          </p:nvPr>
+        </p:nvSpPr>
+        <p:spPr/>
+        <p:txBody>
+          <a:bodyPr/>
+          <a:lstStyle/>
+          <a:p>
+            <a:endParaRPr lang="en-DE"/>
+          </a:p>
+        </p:txBody>
+      </p:sp>
+    </p:spTree>
+    <p:extLst>
+      <p:ext uri="{BB962C8B-B14F-4D97-AF65-F5344CB8AC3E}">
+        <p14:creationId xmlns:p14="http://schemas.microsoft.com/office/powerpoint/2010/main" val="884191927"/>
+      </p:ext>
+    </p:extLst>
+  </p:cSld>
+  <p:clrMapOvr>
+    <a:masterClrMapping/>
+  </p:clrMapOvr>
+</p:sld>
+</file>
+
+<file path=ppt/slides/slide21.xml><?xml version="1.0" encoding="utf-8"?>
+<p:sld xmlns:a="http://schemas.openxmlformats.org/drawingml/2006/main" xmlns:r="http://schemas.openxmlformats.org/officeDocument/2006/relationships" xmlns:p="http://schemas.openxmlformats.org/presentationml/2006/main">
+  <p:cSld>
+    <p:spTree>
+      <p:nvGrpSpPr>
+        <p:cNvPr id="1" name=""/>
+        <p:cNvGrpSpPr/>
+        <p:nvPr/>
+      </p:nvGrpSpPr>
+      <p:grpSpPr>
+        <a:xfrm>
+          <a:off x="0" y="0"/>
+          <a:ext cx="0" cy="0"/>
+          <a:chOff x="0" y="0"/>
+          <a:chExt cx="0" cy="0"/>
+        </a:xfrm>
+      </p:grpSpPr>
+      <p:pic>
+        <p:nvPicPr>
+          <p:cNvPr id="5" name="Content Placeholder 4" descr="A red square with a white border&#10;&#10;Description automatically generated">
+            <a:extLst>
+              <a:ext uri="{FF2B5EF4-FFF2-40B4-BE49-F238E27FC236}">
+                <a16:creationId xmlns:a16="http://schemas.microsoft.com/office/drawing/2014/main" id="{AB5442DF-D2BD-710F-03AB-590F1474E7D0}"/>
+              </a:ext>
+            </a:extLst>
+          </p:cNvPr>
+          <p:cNvPicPr>
+            <a:picLocks noGrp="1" noChangeAspect="1"/>
+          </p:cNvPicPr>
+          <p:nvPr>
+            <p:ph sz="quarter" idx="10"/>
+          </p:nvPr>
+        </p:nvPicPr>
+        <p:blipFill rotWithShape="1">
+          <a:blip r:embed="rId3">
+            <a:extLst>
+              <a:ext uri="{28A0092B-C50C-407E-A947-70E740481C1C}">
+                <a14:useLocalDpi xmlns:a14="http://schemas.microsoft.com/office/drawing/2010/main" val="0"/>
+              </a:ext>
+            </a:extLst>
+          </a:blip>
+          <a:srcRect t="20993"/>
+          <a:stretch/>
+        </p:blipFill>
+        <p:spPr>
+          <a:xfrm>
+            <a:off x="0" y="588667"/>
+            <a:ext cx="9144000" cy="4067480"/>
+          </a:xfrm>
+        </p:spPr>
+      </p:pic>
+      <p:pic>
+        <p:nvPicPr>
+          <p:cNvPr id="2" name="Content Placeholder 4" descr="Artificial Intelligence with solid fill">
+            <a:extLst>
+              <a:ext uri="{FF2B5EF4-FFF2-40B4-BE49-F238E27FC236}">
+                <a16:creationId xmlns:a16="http://schemas.microsoft.com/office/drawing/2014/main" id="{CC3A28AC-EEEC-A007-3E62-FE91F3EE28A3}"/>
+              </a:ext>
+            </a:extLst>
+          </p:cNvPr>
+          <p:cNvPicPr>
+            <a:picLocks noChangeAspect="1"/>
+          </p:cNvPicPr>
+          <p:nvPr/>
+        </p:nvPicPr>
+        <p:blipFill>
+          <a:blip r:embed="rId4">
+            <a:extLst>
+              <a:ext uri="{28A0092B-C50C-407E-A947-70E740481C1C}">
+                <a14:useLocalDpi xmlns:a14="http://schemas.microsoft.com/office/drawing/2010/main" val="0"/>
+              </a:ext>
+              <a:ext uri="{96DAC541-7B7A-43D3-8B79-37D633B846F1}">
+                <asvg:svgBlip xmlns:asvg="http://schemas.microsoft.com/office/drawing/2016/SVG/main" r:embed="rId5"/>
+              </a:ext>
+            </a:extLst>
+          </a:blip>
+          <a:stretch>
+            <a:fillRect/>
+          </a:stretch>
+        </p:blipFill>
+        <p:spPr>
+          <a:xfrm>
+            <a:off x="3927951" y="2014378"/>
+            <a:ext cx="1648143" cy="1648143"/>
+          </a:xfrm>
+          <a:prstGeom prst="rect">
+            <a:avLst/>
+          </a:prstGeom>
+        </p:spPr>
+      </p:pic>
+      <p:pic>
+        <p:nvPicPr>
+          <p:cNvPr id="6" name="Graphic 5" descr="Question Mark with solid fill">
+            <a:extLst>
+              <a:ext uri="{FF2B5EF4-FFF2-40B4-BE49-F238E27FC236}">
+                <a16:creationId xmlns:a16="http://schemas.microsoft.com/office/drawing/2014/main" id="{CBA9BCFF-D7E4-7EDB-E6FD-E0D25F324912}"/>
+              </a:ext>
+            </a:extLst>
+          </p:cNvPr>
+          <p:cNvPicPr>
+            <a:picLocks noChangeAspect="1"/>
+          </p:cNvPicPr>
+          <p:nvPr/>
+        </p:nvPicPr>
+        <p:blipFill>
+          <a:blip r:embed="rId6">
+            <a:extLst>
+              <a:ext uri="{28A0092B-C50C-407E-A947-70E740481C1C}">
+                <a14:useLocalDpi xmlns:a14="http://schemas.microsoft.com/office/drawing/2010/main" val="0"/>
+              </a:ext>
+              <a:ext uri="{96DAC541-7B7A-43D3-8B79-37D633B846F1}">
+                <asvg:svgBlip xmlns:asvg="http://schemas.microsoft.com/office/drawing/2016/SVG/main" r:embed="rId7"/>
+              </a:ext>
+            </a:extLst>
+          </a:blip>
+          <a:stretch>
+            <a:fillRect/>
+          </a:stretch>
+        </p:blipFill>
+        <p:spPr>
+          <a:xfrm>
+            <a:off x="4203382" y="1099978"/>
+            <a:ext cx="914400" cy="914400"/>
+          </a:xfrm>
+          <a:prstGeom prst="rect">
+            <a:avLst/>
+          </a:prstGeom>
+        </p:spPr>
+      </p:pic>
+    </p:spTree>
+    <p:extLst>
+      <p:ext uri="{BB962C8B-B14F-4D97-AF65-F5344CB8AC3E}">
+        <p14:creationId xmlns:p14="http://schemas.microsoft.com/office/powerpoint/2010/main" val="3900072671"/>
       </p:ext>
     </p:extLst>
   </p:cSld>
@@ -3605,46 +4988,196 @@
           <a:chExt cx="0" cy="0"/>
         </a:xfrm>
       </p:grpSpPr>
-      <p:pic>
-        <p:nvPicPr>
-          <p:cNvPr id="5" name="Content Placeholder 4" descr="A red square with a white border&#10;&#10;Description automatically generated">
+      <p:sp>
+        <p:nvSpPr>
+          <p:cNvPr id="2" name="Content Placeholder 1">
             <a:extLst>
               <a:ext uri="{FF2B5EF4-FFF2-40B4-BE49-F238E27FC236}">
-                <a16:creationId xmlns:a16="http://schemas.microsoft.com/office/drawing/2014/main" id="{AB5442DF-D2BD-710F-03AB-590F1474E7D0}"/>
+                <a16:creationId xmlns:a16="http://schemas.microsoft.com/office/drawing/2014/main" id="{4E6AD8ED-543A-9D10-F975-037449BBE8C1}"/>
               </a:ext>
             </a:extLst>
           </p:cNvPr>
-          <p:cNvPicPr>
-            <a:picLocks noGrp="1" noChangeAspect="1"/>
-          </p:cNvPicPr>
+          <p:cNvSpPr>
+            <a:spLocks noGrp="1"/>
+          </p:cNvSpPr>
           <p:nvPr>
             <p:ph sz="quarter" idx="10"/>
           </p:nvPr>
-        </p:nvPicPr>
-        <p:blipFill rotWithShape="1">
-          <a:blip r:embed="rId3">
-            <a:extLst>
-              <a:ext uri="{28A0092B-C50C-407E-A947-70E740481C1C}">
-                <a14:useLocalDpi xmlns:a14="http://schemas.microsoft.com/office/drawing/2010/main" val="0"/>
-              </a:ext>
-            </a:extLst>
-          </a:blip>
-          <a:srcRect t="20993"/>
-          <a:stretch/>
-        </p:blipFill>
+        </p:nvSpPr>
+        <p:spPr/>
+        <p:txBody>
+          <a:bodyPr/>
+          <a:lstStyle/>
+          <a:p>
+            <a:r>
+              <a:rPr lang="en-GB" dirty="0"/>
+              <a:t>Conversion</a:t>
+            </a:r>
+            <a:endParaRPr lang="en-DE" dirty="0"/>
+          </a:p>
+        </p:txBody>
+      </p:sp>
+      <p:sp>
+        <p:nvSpPr>
+          <p:cNvPr id="3" name="Text Placeholder 2">
+            <a:extLst>
+              <a:ext uri="{FF2B5EF4-FFF2-40B4-BE49-F238E27FC236}">
+                <a16:creationId xmlns:a16="http://schemas.microsoft.com/office/drawing/2014/main" id="{CE27BB73-1EB8-A930-8491-6B55FB940F33}"/>
+              </a:ext>
+            </a:extLst>
+          </p:cNvPr>
+          <p:cNvSpPr>
+            <a:spLocks noGrp="1"/>
+          </p:cNvSpPr>
+          <p:nvPr>
+            <p:ph type="body" sz="quarter" idx="11"/>
+          </p:nvPr>
+        </p:nvSpPr>
         <p:spPr>
           <a:xfrm>
-            <a:off x="0" y="588667"/>
-            <a:ext cx="9144000" cy="4067480"/>
+            <a:off x="1260000" y="1634400"/>
+            <a:ext cx="7596000" cy="656590"/>
           </a:xfrm>
         </p:spPr>
-      </p:pic>
+        <p:txBody>
+          <a:bodyPr/>
+          <a:lstStyle/>
+          <a:p>
+            <a:r>
+              <a:rPr lang="en-GB" dirty="0"/>
+              <a:t>From .d to .</a:t>
+            </a:r>
+            <a:r>
+              <a:rPr lang="en-GB" dirty="0" err="1"/>
+              <a:t>mzML</a:t>
+            </a:r>
+            <a:endParaRPr lang="en-GB" dirty="0"/>
+          </a:p>
+          <a:p>
+            <a:r>
+              <a:rPr lang="en-GB" dirty="0"/>
+              <a:t>Tool mimics folder structure</a:t>
+            </a:r>
+            <a:endParaRPr lang="en-DE" dirty="0"/>
+          </a:p>
+        </p:txBody>
+      </p:sp>
+    </p:spTree>
+    <p:extLst>
+      <p:ext uri="{BB962C8B-B14F-4D97-AF65-F5344CB8AC3E}">
+        <p14:creationId xmlns:p14="http://schemas.microsoft.com/office/powerpoint/2010/main" val="2232529565"/>
+      </p:ext>
+    </p:extLst>
+  </p:cSld>
+  <p:clrMapOvr>
+    <a:masterClrMapping/>
+  </p:clrMapOvr>
+</p:sld>
+</file>
+
+<file path=ppt/slides/slide4.xml><?xml version="1.0" encoding="utf-8"?>
+<p:sld xmlns:a="http://schemas.openxmlformats.org/drawingml/2006/main" xmlns:r="http://schemas.openxmlformats.org/officeDocument/2006/relationships" xmlns:p="http://schemas.openxmlformats.org/presentationml/2006/main">
+  <p:cSld>
+    <p:spTree>
+      <p:nvGrpSpPr>
+        <p:cNvPr id="1" name=""/>
+        <p:cNvGrpSpPr/>
+        <p:nvPr/>
+      </p:nvGrpSpPr>
+      <p:grpSpPr>
+        <a:xfrm>
+          <a:off x="0" y="0"/>
+          <a:ext cx="0" cy="0"/>
+          <a:chOff x="0" y="0"/>
+          <a:chExt cx="0" cy="0"/>
+        </a:xfrm>
+      </p:grpSpPr>
+      <p:sp>
+        <p:nvSpPr>
+          <p:cNvPr id="2" name="Content Placeholder 1">
+            <a:extLst>
+              <a:ext uri="{FF2B5EF4-FFF2-40B4-BE49-F238E27FC236}">
+                <a16:creationId xmlns:a16="http://schemas.microsoft.com/office/drawing/2014/main" id="{5D40F349-0ABF-A2DE-261E-9910DB40BBCF}"/>
+              </a:ext>
+            </a:extLst>
+          </p:cNvPr>
+          <p:cNvSpPr>
+            <a:spLocks noGrp="1"/>
+          </p:cNvSpPr>
+          <p:nvPr>
+            <p:ph sz="quarter" idx="10"/>
+          </p:nvPr>
+        </p:nvSpPr>
+        <p:spPr/>
+        <p:txBody>
+          <a:bodyPr/>
+          <a:lstStyle/>
+          <a:p>
+            <a:r>
+              <a:rPr lang="en-GB" dirty="0"/>
+              <a:t>Feature finding</a:t>
+            </a:r>
+            <a:endParaRPr lang="en-DE" dirty="0"/>
+          </a:p>
+        </p:txBody>
+      </p:sp>
+      <p:sp>
+        <p:nvSpPr>
+          <p:cNvPr id="3" name="Text Placeholder 2">
+            <a:extLst>
+              <a:ext uri="{FF2B5EF4-FFF2-40B4-BE49-F238E27FC236}">
+                <a16:creationId xmlns:a16="http://schemas.microsoft.com/office/drawing/2014/main" id="{6B88CDC1-A369-1BED-9136-4F87674BB9A7}"/>
+              </a:ext>
+            </a:extLst>
+          </p:cNvPr>
+          <p:cNvSpPr>
+            <a:spLocks noGrp="1"/>
+          </p:cNvSpPr>
+          <p:nvPr>
+            <p:ph type="body" sz="quarter" idx="11"/>
+          </p:nvPr>
+        </p:nvSpPr>
+        <p:spPr>
+          <a:xfrm>
+            <a:off x="1260000" y="1634400"/>
+            <a:ext cx="7596000" cy="1036181"/>
+          </a:xfrm>
+        </p:spPr>
+        <p:txBody>
+          <a:bodyPr/>
+          <a:lstStyle/>
+          <a:p>
+            <a:r>
+              <a:rPr lang="en-GB" dirty="0"/>
+              <a:t>With </a:t>
+            </a:r>
+            <a:r>
+              <a:rPr lang="en-GB" dirty="0" err="1"/>
+              <a:t>mzmine</a:t>
+            </a:r>
+            <a:endParaRPr lang="en-GB" dirty="0"/>
+          </a:p>
+          <a:p>
+            <a:r>
+              <a:rPr lang="en-GB" dirty="0"/>
+              <a:t>Batch mode</a:t>
+            </a:r>
+            <a:endParaRPr lang="en-DE" dirty="0"/>
+          </a:p>
+          <a:p>
+            <a:pPr marL="0" indent="0">
+              <a:buNone/>
+            </a:pPr>
+            <a:endParaRPr lang="en-DE" dirty="0"/>
+          </a:p>
+        </p:txBody>
+      </p:sp>
       <p:pic>
         <p:nvPicPr>
-          <p:cNvPr id="2" name="Content Placeholder 4" descr="Artificial Intelligence with solid fill">
+          <p:cNvPr id="5" name="Picture 4">
             <a:extLst>
               <a:ext uri="{FF2B5EF4-FFF2-40B4-BE49-F238E27FC236}">
-                <a16:creationId xmlns:a16="http://schemas.microsoft.com/office/drawing/2014/main" id="{CC3A28AC-EEEC-A007-3E62-FE91F3EE28A3}"/>
+                <a16:creationId xmlns:a16="http://schemas.microsoft.com/office/drawing/2014/main" id="{FAD07D15-40FD-09D5-6727-AF8B3DB7C2F4}"/>
               </a:ext>
             </a:extLst>
           </p:cNvPr>
@@ -3654,24 +5187,15 @@
           <p:nvPr/>
         </p:nvPicPr>
         <p:blipFill>
-          <a:blip r:embed="rId4">
-            <a:extLst>
-              <a:ext uri="{28A0092B-C50C-407E-A947-70E740481C1C}">
-                <a14:useLocalDpi xmlns:a14="http://schemas.microsoft.com/office/drawing/2010/main" val="0"/>
-              </a:ext>
-              <a:ext uri="{96DAC541-7B7A-43D3-8B79-37D633B846F1}">
-                <asvg:svgBlip xmlns:asvg="http://schemas.microsoft.com/office/drawing/2016/SVG/main" r:embed="rId5"/>
-              </a:ext>
-            </a:extLst>
-          </a:blip>
+          <a:blip r:embed="rId2"/>
           <a:stretch>
             <a:fillRect/>
           </a:stretch>
         </p:blipFill>
         <p:spPr>
           <a:xfrm>
-            <a:off x="3927951" y="2014378"/>
-            <a:ext cx="1648143" cy="1648143"/>
+            <a:off x="2726266" y="1939388"/>
+            <a:ext cx="3355109" cy="2792959"/>
           </a:xfrm>
           <a:prstGeom prst="rect">
             <a:avLst/>
@@ -3680,10 +5204,10 @@
       </p:pic>
       <p:pic>
         <p:nvPicPr>
-          <p:cNvPr id="6" name="Graphic 5" descr="Question Mark with solid fill">
+          <p:cNvPr id="7" name="Picture 6">
             <a:extLst>
               <a:ext uri="{FF2B5EF4-FFF2-40B4-BE49-F238E27FC236}">
-                <a16:creationId xmlns:a16="http://schemas.microsoft.com/office/drawing/2014/main" id="{CBA9BCFF-D7E4-7EDB-E6FD-E0D25F324912}"/>
+                <a16:creationId xmlns:a16="http://schemas.microsoft.com/office/drawing/2014/main" id="{61BD2A44-10D6-767D-2486-FC29F81A7F96}"/>
               </a:ext>
             </a:extLst>
           </p:cNvPr>
@@ -3693,24 +5217,721 @@
           <p:nvPr/>
         </p:nvPicPr>
         <p:blipFill>
-          <a:blip r:embed="rId6">
-            <a:extLst>
-              <a:ext uri="{28A0092B-C50C-407E-A947-70E740481C1C}">
-                <a14:useLocalDpi xmlns:a14="http://schemas.microsoft.com/office/drawing/2010/main" val="0"/>
-              </a:ext>
-              <a:ext uri="{96DAC541-7B7A-43D3-8B79-37D633B846F1}">
-                <asvg:svgBlip xmlns:asvg="http://schemas.microsoft.com/office/drawing/2016/SVG/main" r:embed="rId7"/>
-              </a:ext>
-            </a:extLst>
-          </a:blip>
+          <a:blip r:embed="rId3"/>
+          <a:srcRect t="1" r="18800" b="4710"/>
+          <a:stretch/>
+        </p:blipFill>
+        <p:spPr>
+          <a:xfrm>
+            <a:off x="6464582" y="3226849"/>
+            <a:ext cx="2526884" cy="218038"/>
+          </a:xfrm>
+          <a:prstGeom prst="rect">
+            <a:avLst/>
+          </a:prstGeom>
+        </p:spPr>
+      </p:pic>
+      <p:cxnSp>
+        <p:nvCxnSpPr>
+          <p:cNvPr id="9" name="Straight Arrow Connector 8">
+            <a:extLst>
+              <a:ext uri="{FF2B5EF4-FFF2-40B4-BE49-F238E27FC236}">
+                <a16:creationId xmlns:a16="http://schemas.microsoft.com/office/drawing/2014/main" id="{0962DA1E-52B3-C469-5504-D337639B80D8}"/>
+              </a:ext>
+            </a:extLst>
+          </p:cNvPr>
+          <p:cNvCxnSpPr>
+            <a:cxnSpLocks/>
+            <a:stCxn id="5" idx="3"/>
+            <a:endCxn id="7" idx="1"/>
+          </p:cNvCxnSpPr>
+          <p:nvPr/>
+        </p:nvCxnSpPr>
+        <p:spPr>
+          <a:xfrm>
+            <a:off x="6081375" y="3335868"/>
+            <a:ext cx="383207" cy="0"/>
+          </a:xfrm>
+          <a:prstGeom prst="straightConnector1">
+            <a:avLst/>
+          </a:prstGeom>
+          <a:ln>
+            <a:tailEnd type="triangle"/>
+          </a:ln>
+        </p:spPr>
+        <p:style>
+          <a:lnRef idx="1">
+            <a:schemeClr val="accent1"/>
+          </a:lnRef>
+          <a:fillRef idx="0">
+            <a:schemeClr val="accent1"/>
+          </a:fillRef>
+          <a:effectRef idx="0">
+            <a:schemeClr val="accent1"/>
+          </a:effectRef>
+          <a:fontRef idx="minor">
+            <a:schemeClr val="tx1"/>
+          </a:fontRef>
+        </p:style>
+      </p:cxnSp>
+    </p:spTree>
+    <p:extLst>
+      <p:ext uri="{BB962C8B-B14F-4D97-AF65-F5344CB8AC3E}">
+        <p14:creationId xmlns:p14="http://schemas.microsoft.com/office/powerpoint/2010/main" val="3366207392"/>
+      </p:ext>
+    </p:extLst>
+  </p:cSld>
+  <p:clrMapOvr>
+    <a:masterClrMapping/>
+  </p:clrMapOvr>
+</p:sld>
+</file>
+
+<file path=ppt/slides/slide5.xml><?xml version="1.0" encoding="utf-8"?>
+<p:sld xmlns:a="http://schemas.openxmlformats.org/drawingml/2006/main" xmlns:r="http://schemas.openxmlformats.org/officeDocument/2006/relationships" xmlns:p="http://schemas.openxmlformats.org/presentationml/2006/main">
+  <p:cSld>
+    <p:spTree>
+      <p:nvGrpSpPr>
+        <p:cNvPr id="1" name="">
+          <a:extLst>
+            <a:ext uri="{FF2B5EF4-FFF2-40B4-BE49-F238E27FC236}">
+              <a16:creationId xmlns:a16="http://schemas.microsoft.com/office/drawing/2014/main" id="{B1A2C511-E9C0-C912-3737-6C6087F77FC3}"/>
+            </a:ext>
+          </a:extLst>
+        </p:cNvPr>
+        <p:cNvGrpSpPr/>
+        <p:nvPr/>
+      </p:nvGrpSpPr>
+      <p:grpSpPr>
+        <a:xfrm>
+          <a:off x="0" y="0"/>
+          <a:ext cx="0" cy="0"/>
+          <a:chOff x="0" y="0"/>
+          <a:chExt cx="0" cy="0"/>
+        </a:xfrm>
+      </p:grpSpPr>
+      <p:sp>
+        <p:nvSpPr>
+          <p:cNvPr id="2" name="Content Placeholder 1">
+            <a:extLst>
+              <a:ext uri="{FF2B5EF4-FFF2-40B4-BE49-F238E27FC236}">
+                <a16:creationId xmlns:a16="http://schemas.microsoft.com/office/drawing/2014/main" id="{091C69C3-5BEE-442E-907A-2F053A2A388A}"/>
+              </a:ext>
+            </a:extLst>
+          </p:cNvPr>
+          <p:cNvSpPr>
+            <a:spLocks noGrp="1"/>
+          </p:cNvSpPr>
+          <p:nvPr>
+            <p:ph sz="quarter" idx="10"/>
+          </p:nvPr>
+        </p:nvSpPr>
+        <p:spPr/>
+        <p:txBody>
+          <a:bodyPr/>
+          <a:lstStyle/>
+          <a:p>
+            <a:r>
+              <a:rPr lang="en-GB" dirty="0"/>
+              <a:t>Mass detection / Thresholds</a:t>
+            </a:r>
+            <a:endParaRPr lang="en-DE" dirty="0"/>
+          </a:p>
+        </p:txBody>
+      </p:sp>
+      <p:pic>
+        <p:nvPicPr>
+          <p:cNvPr id="5" name="Picture 4">
+            <a:extLst>
+              <a:ext uri="{FF2B5EF4-FFF2-40B4-BE49-F238E27FC236}">
+                <a16:creationId xmlns:a16="http://schemas.microsoft.com/office/drawing/2014/main" id="{C8A523F4-A969-04D6-D734-69650304A50A}"/>
+              </a:ext>
+            </a:extLst>
+          </p:cNvPr>
+          <p:cNvPicPr>
+            <a:picLocks noChangeAspect="1"/>
+          </p:cNvPicPr>
+          <p:nvPr/>
+        </p:nvPicPr>
+        <p:blipFill>
+          <a:blip r:embed="rId2"/>
           <a:stretch>
             <a:fillRect/>
           </a:stretch>
         </p:blipFill>
         <p:spPr>
           <a:xfrm>
-            <a:off x="4203382" y="1099978"/>
-            <a:ext cx="914400" cy="914400"/>
+            <a:off x="1210499" y="2080599"/>
+            <a:ext cx="3847501" cy="2121918"/>
+          </a:xfrm>
+          <a:prstGeom prst="rect">
+            <a:avLst/>
+          </a:prstGeom>
+        </p:spPr>
+      </p:pic>
+      <p:pic>
+        <p:nvPicPr>
+          <p:cNvPr id="7" name="Picture 6">
+            <a:extLst>
+              <a:ext uri="{FF2B5EF4-FFF2-40B4-BE49-F238E27FC236}">
+                <a16:creationId xmlns:a16="http://schemas.microsoft.com/office/drawing/2014/main" id="{6C06C667-A03C-7C74-2327-8445BAD993D2}"/>
+              </a:ext>
+            </a:extLst>
+          </p:cNvPr>
+          <p:cNvPicPr>
+            <a:picLocks noChangeAspect="1"/>
+          </p:cNvPicPr>
+          <p:nvPr/>
+        </p:nvPicPr>
+        <p:blipFill>
+          <a:blip r:embed="rId3"/>
+          <a:stretch>
+            <a:fillRect/>
+          </a:stretch>
+        </p:blipFill>
+        <p:spPr>
+          <a:xfrm>
+            <a:off x="5135522" y="2080599"/>
+            <a:ext cx="3847501" cy="2121918"/>
+          </a:xfrm>
+          <a:prstGeom prst="rect">
+            <a:avLst/>
+          </a:prstGeom>
+        </p:spPr>
+      </p:pic>
+      <p:sp>
+        <p:nvSpPr>
+          <p:cNvPr id="8" name="Oval 7">
+            <a:extLst>
+              <a:ext uri="{FF2B5EF4-FFF2-40B4-BE49-F238E27FC236}">
+                <a16:creationId xmlns:a16="http://schemas.microsoft.com/office/drawing/2014/main" id="{2C0ACE52-545C-1A8D-96F4-CA12905FC972}"/>
+              </a:ext>
+            </a:extLst>
+          </p:cNvPr>
+          <p:cNvSpPr/>
+          <p:nvPr/>
+        </p:nvSpPr>
+        <p:spPr>
+          <a:xfrm>
+            <a:off x="2472267" y="2760133"/>
+            <a:ext cx="711200" cy="203200"/>
+          </a:xfrm>
+          <a:prstGeom prst="ellipse">
+            <a:avLst/>
+          </a:prstGeom>
+          <a:noFill/>
+          <a:ln>
+            <a:solidFill>
+              <a:schemeClr val="tx2"/>
+            </a:solidFill>
+          </a:ln>
+        </p:spPr>
+        <p:style>
+          <a:lnRef idx="2">
+            <a:schemeClr val="accent1">
+              <a:shade val="15000"/>
+            </a:schemeClr>
+          </a:lnRef>
+          <a:fillRef idx="1">
+            <a:schemeClr val="accent1"/>
+          </a:fillRef>
+          <a:effectRef idx="0">
+            <a:schemeClr val="accent1"/>
+          </a:effectRef>
+          <a:fontRef idx="minor">
+            <a:schemeClr val="lt1"/>
+          </a:fontRef>
+        </p:style>
+        <p:txBody>
+          <a:bodyPr rtlCol="0" anchor="ctr"/>
+          <a:lstStyle/>
+          <a:p>
+            <a:pPr algn="ctr"/>
+            <a:endParaRPr lang="en-DE"/>
+          </a:p>
+        </p:txBody>
+      </p:sp>
+      <p:sp>
+        <p:nvSpPr>
+          <p:cNvPr id="9" name="Oval 8">
+            <a:extLst>
+              <a:ext uri="{FF2B5EF4-FFF2-40B4-BE49-F238E27FC236}">
+                <a16:creationId xmlns:a16="http://schemas.microsoft.com/office/drawing/2014/main" id="{E9693739-07B8-FA88-9C21-DDE2DE9417A5}"/>
+              </a:ext>
+            </a:extLst>
+          </p:cNvPr>
+          <p:cNvSpPr/>
+          <p:nvPr/>
+        </p:nvSpPr>
+        <p:spPr>
+          <a:xfrm>
+            <a:off x="1210499" y="3547533"/>
+            <a:ext cx="1261768" cy="203200"/>
+          </a:xfrm>
+          <a:prstGeom prst="ellipse">
+            <a:avLst/>
+          </a:prstGeom>
+          <a:noFill/>
+          <a:ln>
+            <a:solidFill>
+              <a:schemeClr val="tx2"/>
+            </a:solidFill>
+          </a:ln>
+        </p:spPr>
+        <p:style>
+          <a:lnRef idx="2">
+            <a:schemeClr val="accent1">
+              <a:shade val="15000"/>
+            </a:schemeClr>
+          </a:lnRef>
+          <a:fillRef idx="1">
+            <a:schemeClr val="accent1"/>
+          </a:fillRef>
+          <a:effectRef idx="0">
+            <a:schemeClr val="accent1"/>
+          </a:effectRef>
+          <a:fontRef idx="minor">
+            <a:schemeClr val="lt1"/>
+          </a:fontRef>
+        </p:style>
+        <p:txBody>
+          <a:bodyPr rtlCol="0" anchor="ctr"/>
+          <a:lstStyle/>
+          <a:p>
+            <a:pPr algn="ctr"/>
+            <a:endParaRPr lang="en-DE"/>
+          </a:p>
+        </p:txBody>
+      </p:sp>
+      <p:sp>
+        <p:nvSpPr>
+          <p:cNvPr id="10" name="Oval 9">
+            <a:extLst>
+              <a:ext uri="{FF2B5EF4-FFF2-40B4-BE49-F238E27FC236}">
+                <a16:creationId xmlns:a16="http://schemas.microsoft.com/office/drawing/2014/main" id="{A570E2E4-CF50-6191-2D12-D6FA0D984DC9}"/>
+              </a:ext>
+            </a:extLst>
+          </p:cNvPr>
+          <p:cNvSpPr/>
+          <p:nvPr/>
+        </p:nvSpPr>
+        <p:spPr>
+          <a:xfrm>
+            <a:off x="5136844" y="3547533"/>
+            <a:ext cx="1261768" cy="203200"/>
+          </a:xfrm>
+          <a:prstGeom prst="ellipse">
+            <a:avLst/>
+          </a:prstGeom>
+          <a:noFill/>
+          <a:ln>
+            <a:solidFill>
+              <a:schemeClr val="tx2"/>
+            </a:solidFill>
+          </a:ln>
+        </p:spPr>
+        <p:style>
+          <a:lnRef idx="2">
+            <a:schemeClr val="accent1">
+              <a:shade val="15000"/>
+            </a:schemeClr>
+          </a:lnRef>
+          <a:fillRef idx="1">
+            <a:schemeClr val="accent1"/>
+          </a:fillRef>
+          <a:effectRef idx="0">
+            <a:schemeClr val="accent1"/>
+          </a:effectRef>
+          <a:fontRef idx="minor">
+            <a:schemeClr val="lt1"/>
+          </a:fontRef>
+        </p:style>
+        <p:txBody>
+          <a:bodyPr rtlCol="0" anchor="ctr"/>
+          <a:lstStyle/>
+          <a:p>
+            <a:pPr algn="ctr"/>
+            <a:endParaRPr lang="en-DE"/>
+          </a:p>
+        </p:txBody>
+      </p:sp>
+      <p:sp>
+        <p:nvSpPr>
+          <p:cNvPr id="11" name="Oval 10">
+            <a:extLst>
+              <a:ext uri="{FF2B5EF4-FFF2-40B4-BE49-F238E27FC236}">
+                <a16:creationId xmlns:a16="http://schemas.microsoft.com/office/drawing/2014/main" id="{F11EA249-3B87-60C2-3742-5EAD4E0DF113}"/>
+              </a:ext>
+            </a:extLst>
+          </p:cNvPr>
+          <p:cNvSpPr/>
+          <p:nvPr/>
+        </p:nvSpPr>
+        <p:spPr>
+          <a:xfrm>
+            <a:off x="6398612" y="2762800"/>
+            <a:ext cx="711200" cy="203200"/>
+          </a:xfrm>
+          <a:prstGeom prst="ellipse">
+            <a:avLst/>
+          </a:prstGeom>
+          <a:noFill/>
+          <a:ln>
+            <a:solidFill>
+              <a:schemeClr val="tx2"/>
+            </a:solidFill>
+          </a:ln>
+        </p:spPr>
+        <p:style>
+          <a:lnRef idx="2">
+            <a:schemeClr val="accent1">
+              <a:shade val="15000"/>
+            </a:schemeClr>
+          </a:lnRef>
+          <a:fillRef idx="1">
+            <a:schemeClr val="accent1"/>
+          </a:fillRef>
+          <a:effectRef idx="0">
+            <a:schemeClr val="accent1"/>
+          </a:effectRef>
+          <a:fontRef idx="minor">
+            <a:schemeClr val="lt1"/>
+          </a:fontRef>
+        </p:style>
+        <p:txBody>
+          <a:bodyPr rtlCol="0" anchor="ctr"/>
+          <a:lstStyle/>
+          <a:p>
+            <a:pPr algn="ctr"/>
+            <a:endParaRPr lang="en-DE"/>
+          </a:p>
+        </p:txBody>
+      </p:sp>
+    </p:spTree>
+    <p:extLst>
+      <p:ext uri="{BB962C8B-B14F-4D97-AF65-F5344CB8AC3E}">
+        <p14:creationId xmlns:p14="http://schemas.microsoft.com/office/powerpoint/2010/main" val="2485638640"/>
+      </p:ext>
+    </p:extLst>
+  </p:cSld>
+  <p:clrMapOvr>
+    <a:masterClrMapping/>
+  </p:clrMapOvr>
+</p:sld>
+</file>
+
+<file path=ppt/slides/slide6.xml><?xml version="1.0" encoding="utf-8"?>
+<p:sld xmlns:a="http://schemas.openxmlformats.org/drawingml/2006/main" xmlns:r="http://schemas.openxmlformats.org/officeDocument/2006/relationships" xmlns:p="http://schemas.openxmlformats.org/presentationml/2006/main">
+  <p:cSld>
+    <p:spTree>
+      <p:nvGrpSpPr>
+        <p:cNvPr id="1" name="">
+          <a:extLst>
+            <a:ext uri="{FF2B5EF4-FFF2-40B4-BE49-F238E27FC236}">
+              <a16:creationId xmlns:a16="http://schemas.microsoft.com/office/drawing/2014/main" id="{3DE62CF5-016C-D366-A6DC-2B2D6DC4A094}"/>
+            </a:ext>
+          </a:extLst>
+        </p:cNvPr>
+        <p:cNvGrpSpPr/>
+        <p:nvPr/>
+      </p:nvGrpSpPr>
+      <p:grpSpPr>
+        <a:xfrm>
+          <a:off x="0" y="0"/>
+          <a:ext cx="0" cy="0"/>
+          <a:chOff x="0" y="0"/>
+          <a:chExt cx="0" cy="0"/>
+        </a:xfrm>
+      </p:grpSpPr>
+      <p:sp>
+        <p:nvSpPr>
+          <p:cNvPr id="2" name="Content Placeholder 1">
+            <a:extLst>
+              <a:ext uri="{FF2B5EF4-FFF2-40B4-BE49-F238E27FC236}">
+                <a16:creationId xmlns:a16="http://schemas.microsoft.com/office/drawing/2014/main" id="{73889AEE-CAAB-2837-FAF4-4541CA8DDB6C}"/>
+              </a:ext>
+            </a:extLst>
+          </p:cNvPr>
+          <p:cNvSpPr>
+            <a:spLocks noGrp="1"/>
+          </p:cNvSpPr>
+          <p:nvPr>
+            <p:ph sz="quarter" idx="10"/>
+          </p:nvPr>
+        </p:nvSpPr>
+        <p:spPr/>
+        <p:txBody>
+          <a:bodyPr/>
+          <a:lstStyle/>
+          <a:p>
+            <a:r>
+              <a:rPr lang="en-GB" dirty="0"/>
+              <a:t>Chromatogram builder</a:t>
+            </a:r>
+            <a:endParaRPr lang="en-DE" dirty="0"/>
+          </a:p>
+        </p:txBody>
+      </p:sp>
+      <p:sp>
+        <p:nvSpPr>
+          <p:cNvPr id="3" name="Text Placeholder 2">
+            <a:extLst>
+              <a:ext uri="{FF2B5EF4-FFF2-40B4-BE49-F238E27FC236}">
+                <a16:creationId xmlns:a16="http://schemas.microsoft.com/office/drawing/2014/main" id="{7D34C573-75ED-FA43-3606-B09193D99E53}"/>
+              </a:ext>
+            </a:extLst>
+          </p:cNvPr>
+          <p:cNvSpPr>
+            <a:spLocks noGrp="1"/>
+          </p:cNvSpPr>
+          <p:nvPr>
+            <p:ph type="body" sz="quarter" idx="11"/>
+          </p:nvPr>
+        </p:nvSpPr>
+        <p:spPr/>
+        <p:txBody>
+          <a:bodyPr/>
+          <a:lstStyle/>
+          <a:p>
+            <a:r>
+              <a:rPr lang="en-GB" dirty="0"/>
+              <a:t>Makes EICs</a:t>
+            </a:r>
+            <a:endParaRPr lang="en-DE" dirty="0"/>
+          </a:p>
+        </p:txBody>
+      </p:sp>
+      <p:grpSp>
+        <p:nvGrpSpPr>
+          <p:cNvPr id="10" name="Group 9">
+            <a:extLst>
+              <a:ext uri="{FF2B5EF4-FFF2-40B4-BE49-F238E27FC236}">
+                <a16:creationId xmlns:a16="http://schemas.microsoft.com/office/drawing/2014/main" id="{025713A6-5599-2FA1-3527-9DFB2C518531}"/>
+              </a:ext>
+            </a:extLst>
+          </p:cNvPr>
+          <p:cNvGrpSpPr/>
+          <p:nvPr/>
+        </p:nvGrpSpPr>
+        <p:grpSpPr>
+          <a:xfrm>
+            <a:off x="1260000" y="2056715"/>
+            <a:ext cx="4116912" cy="2361604"/>
+            <a:chOff x="2664888" y="2018953"/>
+            <a:chExt cx="4786224" cy="2789517"/>
+          </a:xfrm>
+        </p:grpSpPr>
+        <p:pic>
+          <p:nvPicPr>
+            <p:cNvPr id="5" name="Picture 4">
+              <a:extLst>
+                <a:ext uri="{FF2B5EF4-FFF2-40B4-BE49-F238E27FC236}">
+                  <a16:creationId xmlns:a16="http://schemas.microsoft.com/office/drawing/2014/main" id="{7A4A4749-6B30-2E88-56E6-7894737CFE7A}"/>
+                </a:ext>
+              </a:extLst>
+            </p:cNvPr>
+            <p:cNvPicPr>
+              <a:picLocks noChangeAspect="1"/>
+            </p:cNvPicPr>
+            <p:nvPr/>
+          </p:nvPicPr>
+          <p:blipFill>
+            <a:blip r:embed="rId2"/>
+            <a:stretch>
+              <a:fillRect/>
+            </a:stretch>
+          </p:blipFill>
+          <p:spPr>
+            <a:xfrm>
+              <a:off x="2664888" y="2018953"/>
+              <a:ext cx="4786224" cy="2789517"/>
+            </a:xfrm>
+            <a:prstGeom prst="rect">
+              <a:avLst/>
+            </a:prstGeom>
+          </p:spPr>
+        </p:pic>
+        <p:sp>
+          <p:nvSpPr>
+            <p:cNvPr id="6" name="Rectangle: Rounded Corners 5">
+              <a:extLst>
+                <a:ext uri="{FF2B5EF4-FFF2-40B4-BE49-F238E27FC236}">
+                  <a16:creationId xmlns:a16="http://schemas.microsoft.com/office/drawing/2014/main" id="{42897C53-B2D3-C786-8B87-DCFB6BC0B72E}"/>
+                </a:ext>
+              </a:extLst>
+            </p:cNvPr>
+            <p:cNvSpPr/>
+            <p:nvPr/>
+          </p:nvSpPr>
+          <p:spPr>
+            <a:xfrm>
+              <a:off x="4436533" y="3039533"/>
+              <a:ext cx="702734" cy="203200"/>
+            </a:xfrm>
+            <a:prstGeom prst="roundRect">
+              <a:avLst/>
+            </a:prstGeom>
+            <a:noFill/>
+            <a:ln>
+              <a:solidFill>
+                <a:schemeClr val="tx2"/>
+              </a:solidFill>
+            </a:ln>
+          </p:spPr>
+          <p:style>
+            <a:lnRef idx="2">
+              <a:schemeClr val="accent1">
+                <a:shade val="15000"/>
+              </a:schemeClr>
+            </a:lnRef>
+            <a:fillRef idx="1">
+              <a:schemeClr val="accent1"/>
+            </a:fillRef>
+            <a:effectRef idx="0">
+              <a:schemeClr val="accent1"/>
+            </a:effectRef>
+            <a:fontRef idx="minor">
+              <a:schemeClr val="lt1"/>
+            </a:fontRef>
+          </p:style>
+          <p:txBody>
+            <a:bodyPr rtlCol="0" anchor="ctr"/>
+            <a:lstStyle/>
+            <a:p>
+              <a:pPr algn="ctr"/>
+              <a:endParaRPr lang="en-DE"/>
+            </a:p>
+          </p:txBody>
+        </p:sp>
+        <p:sp>
+          <p:nvSpPr>
+            <p:cNvPr id="8" name="Rectangle: Rounded Corners 7">
+              <a:extLst>
+                <a:ext uri="{FF2B5EF4-FFF2-40B4-BE49-F238E27FC236}">
+                  <a16:creationId xmlns:a16="http://schemas.microsoft.com/office/drawing/2014/main" id="{8B7B0228-61F2-77C5-90C3-3E28E50DA362}"/>
+                </a:ext>
+              </a:extLst>
+            </p:cNvPr>
+            <p:cNvSpPr/>
+            <p:nvPr/>
+          </p:nvSpPr>
+          <p:spPr>
+            <a:xfrm>
+              <a:off x="2664888" y="3996267"/>
+              <a:ext cx="3651245" cy="267046"/>
+            </a:xfrm>
+            <a:prstGeom prst="roundRect">
+              <a:avLst/>
+            </a:prstGeom>
+            <a:noFill/>
+            <a:ln>
+              <a:solidFill>
+                <a:schemeClr val="tx2"/>
+              </a:solidFill>
+            </a:ln>
+          </p:spPr>
+          <p:style>
+            <a:lnRef idx="2">
+              <a:schemeClr val="accent1">
+                <a:shade val="15000"/>
+              </a:schemeClr>
+            </a:lnRef>
+            <a:fillRef idx="1">
+              <a:schemeClr val="accent1"/>
+            </a:fillRef>
+            <a:effectRef idx="0">
+              <a:schemeClr val="accent1"/>
+            </a:effectRef>
+            <a:fontRef idx="minor">
+              <a:schemeClr val="lt1"/>
+            </a:fontRef>
+          </p:style>
+          <p:txBody>
+            <a:bodyPr rtlCol="0" anchor="ctr"/>
+            <a:lstStyle/>
+            <a:p>
+              <a:pPr algn="ctr"/>
+              <a:endParaRPr lang="en-DE"/>
+            </a:p>
+          </p:txBody>
+        </p:sp>
+        <p:sp>
+          <p:nvSpPr>
+            <p:cNvPr id="9" name="Rectangle: Rounded Corners 8">
+              <a:extLst>
+                <a:ext uri="{FF2B5EF4-FFF2-40B4-BE49-F238E27FC236}">
+                  <a16:creationId xmlns:a16="http://schemas.microsoft.com/office/drawing/2014/main" id="{15D05CE2-EC6F-A3B8-8473-2F60AC445C84}"/>
+                </a:ext>
+              </a:extLst>
+            </p:cNvPr>
+            <p:cNvSpPr/>
+            <p:nvPr/>
+          </p:nvSpPr>
+          <p:spPr>
+            <a:xfrm>
+              <a:off x="2664888" y="3242733"/>
+              <a:ext cx="3651245" cy="753534"/>
+            </a:xfrm>
+            <a:prstGeom prst="roundRect">
+              <a:avLst/>
+            </a:prstGeom>
+            <a:noFill/>
+            <a:ln>
+              <a:solidFill>
+                <a:schemeClr val="tx2"/>
+              </a:solidFill>
+            </a:ln>
+          </p:spPr>
+          <p:style>
+            <a:lnRef idx="2">
+              <a:schemeClr val="accent1">
+                <a:shade val="15000"/>
+              </a:schemeClr>
+            </a:lnRef>
+            <a:fillRef idx="1">
+              <a:schemeClr val="accent1"/>
+            </a:fillRef>
+            <a:effectRef idx="0">
+              <a:schemeClr val="accent1"/>
+            </a:effectRef>
+            <a:fontRef idx="minor">
+              <a:schemeClr val="lt1"/>
+            </a:fontRef>
+          </p:style>
+          <p:txBody>
+            <a:bodyPr rtlCol="0" anchor="ctr"/>
+            <a:lstStyle/>
+            <a:p>
+              <a:pPr algn="ctr"/>
+              <a:endParaRPr lang="en-DE"/>
+            </a:p>
+          </p:txBody>
+        </p:sp>
+      </p:grpSp>
+      <p:pic>
+        <p:nvPicPr>
+          <p:cNvPr id="14" name="Picture 13">
+            <a:extLst>
+              <a:ext uri="{FF2B5EF4-FFF2-40B4-BE49-F238E27FC236}">
+                <a16:creationId xmlns:a16="http://schemas.microsoft.com/office/drawing/2014/main" id="{2BFC1E97-C7DD-366B-77BF-5DA52FBA8F2E}"/>
+              </a:ext>
+            </a:extLst>
+          </p:cNvPr>
+          <p:cNvPicPr>
+            <a:picLocks noChangeAspect="1"/>
+          </p:cNvPicPr>
+          <p:nvPr/>
+        </p:nvPicPr>
+        <p:blipFill>
+          <a:blip r:embed="rId3"/>
+          <a:stretch>
+            <a:fillRect/>
+          </a:stretch>
+        </p:blipFill>
+        <p:spPr>
+          <a:xfrm>
+            <a:off x="5620259" y="1116943"/>
+            <a:ext cx="3235741" cy="3607590"/>
           </a:xfrm>
           <a:prstGeom prst="rect">
             <a:avLst/>
@@ -3720,7 +5941,411 @@
     </p:spTree>
     <p:extLst>
       <p:ext uri="{BB962C8B-B14F-4D97-AF65-F5344CB8AC3E}">
-        <p14:creationId xmlns:p14="http://schemas.microsoft.com/office/powerpoint/2010/main" val="3900072671"/>
+        <p14:creationId xmlns:p14="http://schemas.microsoft.com/office/powerpoint/2010/main" val="1523856111"/>
+      </p:ext>
+    </p:extLst>
+  </p:cSld>
+  <p:clrMapOvr>
+    <a:masterClrMapping/>
+  </p:clrMapOvr>
+</p:sld>
+</file>
+
+<file path=ppt/slides/slide7.xml><?xml version="1.0" encoding="utf-8"?>
+<p:sld xmlns:a="http://schemas.openxmlformats.org/drawingml/2006/main" xmlns:r="http://schemas.openxmlformats.org/officeDocument/2006/relationships" xmlns:p="http://schemas.openxmlformats.org/presentationml/2006/main">
+  <p:cSld>
+    <p:spTree>
+      <p:nvGrpSpPr>
+        <p:cNvPr id="1" name="">
+          <a:extLst>
+            <a:ext uri="{FF2B5EF4-FFF2-40B4-BE49-F238E27FC236}">
+              <a16:creationId xmlns:a16="http://schemas.microsoft.com/office/drawing/2014/main" id="{ABBA7B09-1364-4DF0-453F-DA82A637A0E1}"/>
+            </a:ext>
+          </a:extLst>
+        </p:cNvPr>
+        <p:cNvGrpSpPr/>
+        <p:nvPr/>
+      </p:nvGrpSpPr>
+      <p:grpSpPr>
+        <a:xfrm>
+          <a:off x="0" y="0"/>
+          <a:ext cx="0" cy="0"/>
+          <a:chOff x="0" y="0"/>
+          <a:chExt cx="0" cy="0"/>
+        </a:xfrm>
+      </p:grpSpPr>
+      <p:sp>
+        <p:nvSpPr>
+          <p:cNvPr id="2" name="Content Placeholder 1">
+            <a:extLst>
+              <a:ext uri="{FF2B5EF4-FFF2-40B4-BE49-F238E27FC236}">
+                <a16:creationId xmlns:a16="http://schemas.microsoft.com/office/drawing/2014/main" id="{D4D306F6-847D-14A0-3AC9-65F7D3C96F30}"/>
+              </a:ext>
+            </a:extLst>
+          </p:cNvPr>
+          <p:cNvSpPr>
+            <a:spLocks noGrp="1"/>
+          </p:cNvSpPr>
+          <p:nvPr>
+            <p:ph sz="quarter" idx="10"/>
+          </p:nvPr>
+        </p:nvSpPr>
+        <p:spPr/>
+        <p:txBody>
+          <a:bodyPr/>
+          <a:lstStyle/>
+          <a:p>
+            <a:r>
+              <a:rPr lang="en-GB" dirty="0"/>
+              <a:t>Smoothing</a:t>
+            </a:r>
+            <a:endParaRPr lang="en-DE" dirty="0"/>
+          </a:p>
+        </p:txBody>
+      </p:sp>
+      <p:sp>
+        <p:nvSpPr>
+          <p:cNvPr id="3" name="Text Placeholder 2">
+            <a:extLst>
+              <a:ext uri="{FF2B5EF4-FFF2-40B4-BE49-F238E27FC236}">
+                <a16:creationId xmlns:a16="http://schemas.microsoft.com/office/drawing/2014/main" id="{BD060611-84AE-25FD-B1CC-5B6F13C83059}"/>
+              </a:ext>
+            </a:extLst>
+          </p:cNvPr>
+          <p:cNvSpPr>
+            <a:spLocks noGrp="1"/>
+          </p:cNvSpPr>
+          <p:nvPr>
+            <p:ph type="body" sz="quarter" idx="11"/>
+          </p:nvPr>
+        </p:nvSpPr>
+        <p:spPr/>
+        <p:txBody>
+          <a:bodyPr/>
+          <a:lstStyle/>
+          <a:p>
+            <a:r>
+              <a:rPr lang="en-GB" dirty="0"/>
+              <a:t>Loess smoothing over retention time</a:t>
+            </a:r>
+            <a:endParaRPr lang="en-DE" dirty="0"/>
+          </a:p>
+        </p:txBody>
+      </p:sp>
+      <p:pic>
+        <p:nvPicPr>
+          <p:cNvPr id="5" name="Picture 4">
+            <a:extLst>
+              <a:ext uri="{FF2B5EF4-FFF2-40B4-BE49-F238E27FC236}">
+                <a16:creationId xmlns:a16="http://schemas.microsoft.com/office/drawing/2014/main" id="{A5D7E5F0-E174-AC3B-FF30-C6EE9F5C7B03}"/>
+              </a:ext>
+            </a:extLst>
+          </p:cNvPr>
+          <p:cNvPicPr>
+            <a:picLocks noChangeAspect="1"/>
+          </p:cNvPicPr>
+          <p:nvPr/>
+        </p:nvPicPr>
+        <p:blipFill>
+          <a:blip r:embed="rId2"/>
+          <a:stretch>
+            <a:fillRect/>
+          </a:stretch>
+        </p:blipFill>
+        <p:spPr>
+          <a:xfrm>
+            <a:off x="1303135" y="2080599"/>
+            <a:ext cx="4192532" cy="2243312"/>
+          </a:xfrm>
+          <a:prstGeom prst="rect">
+            <a:avLst/>
+          </a:prstGeom>
+        </p:spPr>
+      </p:pic>
+      <p:pic>
+        <p:nvPicPr>
+          <p:cNvPr id="9" name="Picture 8">
+            <a:extLst>
+              <a:ext uri="{FF2B5EF4-FFF2-40B4-BE49-F238E27FC236}">
+                <a16:creationId xmlns:a16="http://schemas.microsoft.com/office/drawing/2014/main" id="{796B5683-EC3A-5AB2-5C66-8FB2B3E9D9DD}"/>
+              </a:ext>
+            </a:extLst>
+          </p:cNvPr>
+          <p:cNvPicPr>
+            <a:picLocks noChangeAspect="1"/>
+          </p:cNvPicPr>
+          <p:nvPr/>
+        </p:nvPicPr>
+        <p:blipFill>
+          <a:blip r:embed="rId3"/>
+          <a:stretch>
+            <a:fillRect/>
+          </a:stretch>
+        </p:blipFill>
+        <p:spPr>
+          <a:xfrm>
+            <a:off x="5668399" y="1259617"/>
+            <a:ext cx="3187601" cy="3536750"/>
+          </a:xfrm>
+          <a:prstGeom prst="rect">
+            <a:avLst/>
+          </a:prstGeom>
+        </p:spPr>
+      </p:pic>
+    </p:spTree>
+    <p:extLst>
+      <p:ext uri="{BB962C8B-B14F-4D97-AF65-F5344CB8AC3E}">
+        <p14:creationId xmlns:p14="http://schemas.microsoft.com/office/powerpoint/2010/main" val="4187310712"/>
+      </p:ext>
+    </p:extLst>
+  </p:cSld>
+  <p:clrMapOvr>
+    <a:masterClrMapping/>
+  </p:clrMapOvr>
+</p:sld>
+</file>
+
+<file path=ppt/slides/slide8.xml><?xml version="1.0" encoding="utf-8"?>
+<p:sld xmlns:a="http://schemas.openxmlformats.org/drawingml/2006/main" xmlns:r="http://schemas.openxmlformats.org/officeDocument/2006/relationships" xmlns:p="http://schemas.openxmlformats.org/presentationml/2006/main">
+  <p:cSld>
+    <p:spTree>
+      <p:nvGrpSpPr>
+        <p:cNvPr id="1" name="">
+          <a:extLst>
+            <a:ext uri="{FF2B5EF4-FFF2-40B4-BE49-F238E27FC236}">
+              <a16:creationId xmlns:a16="http://schemas.microsoft.com/office/drawing/2014/main" id="{CB4F5506-1024-1614-25EE-C5A183A37A28}"/>
+            </a:ext>
+          </a:extLst>
+        </p:cNvPr>
+        <p:cNvGrpSpPr/>
+        <p:nvPr/>
+      </p:nvGrpSpPr>
+      <p:grpSpPr>
+        <a:xfrm>
+          <a:off x="0" y="0"/>
+          <a:ext cx="0" cy="0"/>
+          <a:chOff x="0" y="0"/>
+          <a:chExt cx="0" cy="0"/>
+        </a:xfrm>
+      </p:grpSpPr>
+      <p:sp>
+        <p:nvSpPr>
+          <p:cNvPr id="2" name="Content Placeholder 1">
+            <a:extLst>
+              <a:ext uri="{FF2B5EF4-FFF2-40B4-BE49-F238E27FC236}">
+                <a16:creationId xmlns:a16="http://schemas.microsoft.com/office/drawing/2014/main" id="{1AAEFA97-881B-54B8-3EB6-C47CC473CB86}"/>
+              </a:ext>
+            </a:extLst>
+          </p:cNvPr>
+          <p:cNvSpPr>
+            <a:spLocks noGrp="1"/>
+          </p:cNvSpPr>
+          <p:nvPr>
+            <p:ph sz="quarter" idx="10"/>
+          </p:nvPr>
+        </p:nvSpPr>
+        <p:spPr/>
+        <p:txBody>
+          <a:bodyPr/>
+          <a:lstStyle/>
+          <a:p>
+            <a:r>
+              <a:rPr lang="en-GB" dirty="0"/>
+              <a:t>Feature resolver (Local minima)</a:t>
+            </a:r>
+            <a:endParaRPr lang="en-DE" dirty="0"/>
+          </a:p>
+        </p:txBody>
+      </p:sp>
+      <p:pic>
+        <p:nvPicPr>
+          <p:cNvPr id="7" name="Picture 6">
+            <a:extLst>
+              <a:ext uri="{FF2B5EF4-FFF2-40B4-BE49-F238E27FC236}">
+                <a16:creationId xmlns:a16="http://schemas.microsoft.com/office/drawing/2014/main" id="{419FFFE2-95FB-B9CA-2AF9-00BB26C78977}"/>
+              </a:ext>
+            </a:extLst>
+          </p:cNvPr>
+          <p:cNvPicPr>
+            <a:picLocks noChangeAspect="1"/>
+          </p:cNvPicPr>
+          <p:nvPr/>
+        </p:nvPicPr>
+        <p:blipFill>
+          <a:blip r:embed="rId2"/>
+          <a:stretch>
+            <a:fillRect/>
+          </a:stretch>
+        </p:blipFill>
+        <p:spPr>
+          <a:xfrm>
+            <a:off x="1371600" y="1561906"/>
+            <a:ext cx="4233333" cy="3295995"/>
+          </a:xfrm>
+          <a:prstGeom prst="rect">
+            <a:avLst/>
+          </a:prstGeom>
+        </p:spPr>
+      </p:pic>
+      <p:pic>
+        <p:nvPicPr>
+          <p:cNvPr id="9" name="Picture 8">
+            <a:extLst>
+              <a:ext uri="{FF2B5EF4-FFF2-40B4-BE49-F238E27FC236}">
+                <a16:creationId xmlns:a16="http://schemas.microsoft.com/office/drawing/2014/main" id="{836C8DA8-1D1E-B4E5-D0C8-186CE11C1957}"/>
+              </a:ext>
+            </a:extLst>
+          </p:cNvPr>
+          <p:cNvPicPr>
+            <a:picLocks noChangeAspect="1"/>
+          </p:cNvPicPr>
+          <p:nvPr/>
+        </p:nvPicPr>
+        <p:blipFill>
+          <a:blip r:embed="rId3"/>
+          <a:stretch>
+            <a:fillRect/>
+          </a:stretch>
+        </p:blipFill>
+        <p:spPr>
+          <a:xfrm>
+            <a:off x="5838385" y="1465200"/>
+            <a:ext cx="3039811" cy="3392701"/>
+          </a:xfrm>
+          <a:prstGeom prst="rect">
+            <a:avLst/>
+          </a:prstGeom>
+        </p:spPr>
+      </p:pic>
+    </p:spTree>
+    <p:extLst>
+      <p:ext uri="{BB962C8B-B14F-4D97-AF65-F5344CB8AC3E}">
+        <p14:creationId xmlns:p14="http://schemas.microsoft.com/office/powerpoint/2010/main" val="3059700704"/>
+      </p:ext>
+    </p:extLst>
+  </p:cSld>
+  <p:clrMapOvr>
+    <a:masterClrMapping/>
+  </p:clrMapOvr>
+</p:sld>
+</file>
+
+<file path=ppt/slides/slide9.xml><?xml version="1.0" encoding="utf-8"?>
+<p:sld xmlns:a="http://schemas.openxmlformats.org/drawingml/2006/main" xmlns:r="http://schemas.openxmlformats.org/officeDocument/2006/relationships" xmlns:p="http://schemas.openxmlformats.org/presentationml/2006/main">
+  <p:cSld>
+    <p:spTree>
+      <p:nvGrpSpPr>
+        <p:cNvPr id="1" name="">
+          <a:extLst>
+            <a:ext uri="{FF2B5EF4-FFF2-40B4-BE49-F238E27FC236}">
+              <a16:creationId xmlns:a16="http://schemas.microsoft.com/office/drawing/2014/main" id="{FD3D3B4F-0554-FE96-1955-AF67C048AE0C}"/>
+            </a:ext>
+          </a:extLst>
+        </p:cNvPr>
+        <p:cNvGrpSpPr/>
+        <p:nvPr/>
+      </p:nvGrpSpPr>
+      <p:grpSpPr>
+        <a:xfrm>
+          <a:off x="0" y="0"/>
+          <a:ext cx="0" cy="0"/>
+          <a:chOff x="0" y="0"/>
+          <a:chExt cx="0" cy="0"/>
+        </a:xfrm>
+      </p:grpSpPr>
+      <p:sp>
+        <p:nvSpPr>
+          <p:cNvPr id="2" name="Content Placeholder 1">
+            <a:extLst>
+              <a:ext uri="{FF2B5EF4-FFF2-40B4-BE49-F238E27FC236}">
+                <a16:creationId xmlns:a16="http://schemas.microsoft.com/office/drawing/2014/main" id="{F08A6B77-5C02-17EE-FE75-4C1202E2FACD}"/>
+              </a:ext>
+            </a:extLst>
+          </p:cNvPr>
+          <p:cNvSpPr>
+            <a:spLocks noGrp="1"/>
+          </p:cNvSpPr>
+          <p:nvPr>
+            <p:ph sz="quarter" idx="10"/>
+          </p:nvPr>
+        </p:nvSpPr>
+        <p:spPr/>
+        <p:txBody>
+          <a:bodyPr/>
+          <a:lstStyle/>
+          <a:p>
+            <a:r>
+              <a:rPr lang="en-GB" dirty="0"/>
+              <a:t>Isotope filter</a:t>
+            </a:r>
+            <a:endParaRPr lang="en-DE" dirty="0"/>
+          </a:p>
+        </p:txBody>
+      </p:sp>
+      <p:pic>
+        <p:nvPicPr>
+          <p:cNvPr id="5" name="Picture 4">
+            <a:extLst>
+              <a:ext uri="{FF2B5EF4-FFF2-40B4-BE49-F238E27FC236}">
+                <a16:creationId xmlns:a16="http://schemas.microsoft.com/office/drawing/2014/main" id="{A3DC5C29-ED83-6C5B-6079-97F980D47A83}"/>
+              </a:ext>
+            </a:extLst>
+          </p:cNvPr>
+          <p:cNvPicPr>
+            <a:picLocks noChangeAspect="1"/>
+          </p:cNvPicPr>
+          <p:nvPr/>
+        </p:nvPicPr>
+        <p:blipFill>
+          <a:blip r:embed="rId2"/>
+          <a:stretch>
+            <a:fillRect/>
+          </a:stretch>
+        </p:blipFill>
+        <p:spPr>
+          <a:xfrm>
+            <a:off x="1439335" y="1772899"/>
+            <a:ext cx="4129172" cy="2841802"/>
+          </a:xfrm>
+          <a:prstGeom prst="rect">
+            <a:avLst/>
+          </a:prstGeom>
+        </p:spPr>
+      </p:pic>
+      <p:pic>
+        <p:nvPicPr>
+          <p:cNvPr id="7" name="Picture 6">
+            <a:extLst>
+              <a:ext uri="{FF2B5EF4-FFF2-40B4-BE49-F238E27FC236}">
+                <a16:creationId xmlns:a16="http://schemas.microsoft.com/office/drawing/2014/main" id="{5C15A2F8-4FBB-DD18-EC2E-0F2B4978125A}"/>
+              </a:ext>
+            </a:extLst>
+          </p:cNvPr>
+          <p:cNvPicPr>
+            <a:picLocks noChangeAspect="1"/>
+          </p:cNvPicPr>
+          <p:nvPr/>
+        </p:nvPicPr>
+        <p:blipFill>
+          <a:blip r:embed="rId3"/>
+          <a:stretch>
+            <a:fillRect/>
+          </a:stretch>
+        </p:blipFill>
+        <p:spPr>
+          <a:xfrm>
+            <a:off x="5893186" y="1465199"/>
+            <a:ext cx="2962814" cy="3288001"/>
+          </a:xfrm>
+          <a:prstGeom prst="rect">
+            <a:avLst/>
+          </a:prstGeom>
+        </p:spPr>
+      </p:pic>
+    </p:spTree>
+    <p:extLst>
+      <p:ext uri="{BB962C8B-B14F-4D97-AF65-F5344CB8AC3E}">
+        <p14:creationId xmlns:p14="http://schemas.microsoft.com/office/powerpoint/2010/main" val="3665609051"/>
       </p:ext>
     </p:extLst>
   </p:cSld>
@@ -4850,6 +7475,14 @@
 </file>
 
 <file path=customXml/item2.xml><?xml version="1.0" encoding="utf-8"?>
+<p:properties xmlns:p="http://schemas.microsoft.com/office/2006/metadata/properties" xmlns:xsi="http://www.w3.org/2001/XMLSchema-instance" xmlns:pc="http://schemas.microsoft.com/office/infopath/2007/PartnerControls">
+  <documentManagement>
+    <_activity xmlns="04f1b0db-91cb-409e-aacc-5e4c6e21ddf1" xsi:nil="true"/>
+  </documentManagement>
+</p:properties>
+</file>
+
+<file path=customXml/item3.xml><?xml version="1.0" encoding="utf-8"?>
 <ct:contentTypeSchema xmlns:ct="http://schemas.microsoft.com/office/2006/metadata/contentType" xmlns:ma="http://schemas.microsoft.com/office/2006/metadata/properties/metaAttributes" ct:_="" ma:_="" ma:contentTypeName="Document" ma:contentTypeID="0x010100F6C1EAA22CC9A743BB0C90EB6521FC32" ma:contentTypeVersion="13" ma:contentTypeDescription="Create a new document." ma:contentTypeScope="" ma:versionID="c9a2a5abee115afe856fae92ba73fad9">
   <xsd:schema xmlns:xsd="http://www.w3.org/2001/XMLSchema" xmlns:xs="http://www.w3.org/2001/XMLSchema" xmlns:p="http://schemas.microsoft.com/office/2006/metadata/properties" xmlns:ns3="04f1b0db-91cb-409e-aacc-5e4c6e21ddf1" xmlns:ns4="cbd05d62-5713-4059-9cdc-f0d368856403" targetNamespace="http://schemas.microsoft.com/office/2006/metadata/properties" ma:root="true" ma:fieldsID="2208aeaa14fddd165c7c12f5d0227668" ns3:_="" ns4:_="">
     <xsd:import namespace="04f1b0db-91cb-409e-aacc-5e4c6e21ddf1"/>
@@ -5070,14 +7703,6 @@
 </ct:contentTypeSchema>
 </file>
 
-<file path=customXml/item3.xml><?xml version="1.0" encoding="utf-8"?>
-<p:properties xmlns:p="http://schemas.microsoft.com/office/2006/metadata/properties" xmlns:xsi="http://www.w3.org/2001/XMLSchema-instance" xmlns:pc="http://schemas.microsoft.com/office/infopath/2007/PartnerControls">
-  <documentManagement>
-    <_activity xmlns="04f1b0db-91cb-409e-aacc-5e4c6e21ddf1" xsi:nil="true"/>
-  </documentManagement>
-</p:properties>
-</file>
-
 <file path=customXml/itemProps1.xml><?xml version="1.0" encoding="utf-8"?>
 <ds:datastoreItem xmlns:ds="http://schemas.openxmlformats.org/officeDocument/2006/customXml" ds:itemID="{8386895C-D1CC-4C02-9F61-619E825E66F4}">
   <ds:schemaRefs>
@@ -5087,6 +7712,23 @@
 </file>
 
 <file path=customXml/itemProps2.xml><?xml version="1.0" encoding="utf-8"?>
+<ds:datastoreItem xmlns:ds="http://schemas.openxmlformats.org/officeDocument/2006/customXml" ds:itemID="{F05E7CBF-D8EF-4813-9342-4ACBB4793427}">
+  <ds:schemaRefs>
+    <ds:schemaRef ds:uri="http://schemas.openxmlformats.org/package/2006/metadata/core-properties"/>
+    <ds:schemaRef ds:uri="cbd05d62-5713-4059-9cdc-f0d368856403"/>
+    <ds:schemaRef ds:uri="http://www.w3.org/XML/1998/namespace"/>
+    <ds:schemaRef ds:uri="04f1b0db-91cb-409e-aacc-5e4c6e21ddf1"/>
+    <ds:schemaRef ds:uri="http://schemas.microsoft.com/office/2006/metadata/properties"/>
+    <ds:schemaRef ds:uri="http://schemas.microsoft.com/office/2006/documentManagement/types"/>
+    <ds:schemaRef ds:uri="http://schemas.microsoft.com/office/infopath/2007/PartnerControls"/>
+    <ds:schemaRef ds:uri="http://purl.org/dc/terms/"/>
+    <ds:schemaRef ds:uri="http://purl.org/dc/dcmitype/"/>
+    <ds:schemaRef ds:uri="http://purl.org/dc/elements/1.1/"/>
+  </ds:schemaRefs>
+</ds:datastoreItem>
+</file>
+
+<file path=customXml/itemProps3.xml><?xml version="1.0" encoding="utf-8"?>
 <ds:datastoreItem xmlns:ds="http://schemas.openxmlformats.org/officeDocument/2006/customXml" ds:itemID="{9B4BBF2D-0E99-4CD5-98F3-C1116BA5B200}">
   <ds:schemaRefs>
     <ds:schemaRef ds:uri="http://schemas.microsoft.com/office/2006/metadata/contentType"/>
@@ -5103,21 +7745,4 @@
     <ds:schemaRef ds:uri="http://schemas.microsoft.com/internal/obd"/>
   </ds:schemaRefs>
 </ds:datastoreItem>
-</file>
-
-<file path=customXml/itemProps3.xml><?xml version="1.0" encoding="utf-8"?>
-<ds:datastoreItem xmlns:ds="http://schemas.openxmlformats.org/officeDocument/2006/customXml" ds:itemID="{F05E7CBF-D8EF-4813-9342-4ACBB4793427}">
-  <ds:schemaRefs>
-    <ds:schemaRef ds:uri="http://schemas.openxmlformats.org/package/2006/metadata/core-properties"/>
-    <ds:schemaRef ds:uri="cbd05d62-5713-4059-9cdc-f0d368856403"/>
-    <ds:schemaRef ds:uri="http://www.w3.org/XML/1998/namespace"/>
-    <ds:schemaRef ds:uri="04f1b0db-91cb-409e-aacc-5e4c6e21ddf1"/>
-    <ds:schemaRef ds:uri="http://schemas.microsoft.com/office/2006/metadata/properties"/>
-    <ds:schemaRef ds:uri="http://schemas.microsoft.com/office/2006/documentManagement/types"/>
-    <ds:schemaRef ds:uri="http://schemas.microsoft.com/office/infopath/2007/PartnerControls"/>
-    <ds:schemaRef ds:uri="http://purl.org/dc/terms/"/>
-    <ds:schemaRef ds:uri="http://purl.org/dc/dcmitype/"/>
-    <ds:schemaRef ds:uri="http://purl.org/dc/elements/1.1/"/>
-  </ds:schemaRefs>
-</ds:datastoreItem>
 </file>
--- a/presentation/mine2sirius.pptx
+++ b/presentation/mine2sirius.pptx
@@ -6,10 +6,10 @@
     <p:sldMasterId id="2147485900" r:id="rId5"/>
   </p:sldMasterIdLst>
   <p:notesMasterIdLst>
-    <p:notesMasterId r:id="rId27"/>
+    <p:notesMasterId r:id="rId29"/>
   </p:notesMasterIdLst>
   <p:handoutMasterIdLst>
-    <p:handoutMasterId r:id="rId28"/>
+    <p:handoutMasterId r:id="rId30"/>
   </p:handoutMasterIdLst>
   <p:sldIdLst>
     <p:sldId id="760" r:id="rId6"/>
@@ -31,8 +31,10 @@
     <p:sldId id="830" r:id="rId22"/>
     <p:sldId id="831" r:id="rId23"/>
     <p:sldId id="832" r:id="rId24"/>
-    <p:sldId id="833" r:id="rId25"/>
-    <p:sldId id="788" r:id="rId26"/>
+    <p:sldId id="834" r:id="rId25"/>
+    <p:sldId id="833" r:id="rId26"/>
+    <p:sldId id="835" r:id="rId27"/>
+    <p:sldId id="788" r:id="rId28"/>
   </p:sldIdLst>
   <p:sldSz cx="9144000" cy="5143500" type="screen16x9"/>
   <p:notesSz cx="6819900" cy="9918700"/>
@@ -1105,7 +1107,7 @@
               <a:pPr>
                 <a:defRPr/>
               </a:pPr>
-              <a:t>21</a:t>
+              <a:t>23</a:t>
             </a:fld>
             <a:endParaRPr lang="de-DE"/>
           </a:p>
@@ -4640,7 +4642,7 @@
           </a:p>
           <a:p>
             <a:r>
-              <a:rPr lang="en-GB"/>
+              <a:rPr lang="en-GB" dirty="0"/>
               <a:t>Annotations (.csv)</a:t>
             </a:r>
           </a:p>
@@ -4748,6 +4750,125 @@
   <p:cSld>
     <p:spTree>
       <p:nvGrpSpPr>
+        <p:cNvPr id="1" name=""/>
+        <p:cNvGrpSpPr/>
+        <p:nvPr/>
+      </p:nvGrpSpPr>
+      <p:grpSpPr>
+        <a:xfrm>
+          <a:off x="0" y="0"/>
+          <a:ext cx="0" cy="0"/>
+          <a:chOff x="0" y="0"/>
+          <a:chExt cx="0" cy="0"/>
+        </a:xfrm>
+      </p:grpSpPr>
+      <p:sp>
+        <p:nvSpPr>
+          <p:cNvPr id="2" name="Content Placeholder 1">
+            <a:extLst>
+              <a:ext uri="{FF2B5EF4-FFF2-40B4-BE49-F238E27FC236}">
+                <a16:creationId xmlns:a16="http://schemas.microsoft.com/office/drawing/2014/main" id="{C7210F49-858F-FD75-5E08-0287AD510CF3}"/>
+              </a:ext>
+            </a:extLst>
+          </p:cNvPr>
+          <p:cNvSpPr>
+            <a:spLocks noGrp="1"/>
+          </p:cNvSpPr>
+          <p:nvPr>
+            <p:ph sz="quarter" idx="10"/>
+          </p:nvPr>
+        </p:nvSpPr>
+        <p:spPr/>
+        <p:txBody>
+          <a:bodyPr/>
+          <a:lstStyle/>
+          <a:p>
+            <a:r>
+              <a:rPr lang="en-GB" dirty="0"/>
+              <a:t>Annotation</a:t>
+            </a:r>
+            <a:endParaRPr lang="en-DE" dirty="0"/>
+          </a:p>
+        </p:txBody>
+      </p:sp>
+      <p:sp>
+        <p:nvSpPr>
+          <p:cNvPr id="3" name="Text Placeholder 2">
+            <a:extLst>
+              <a:ext uri="{FF2B5EF4-FFF2-40B4-BE49-F238E27FC236}">
+                <a16:creationId xmlns:a16="http://schemas.microsoft.com/office/drawing/2014/main" id="{BE40945A-D4A2-7CC6-D4BD-B907B6EACF5E}"/>
+              </a:ext>
+            </a:extLst>
+          </p:cNvPr>
+          <p:cNvSpPr>
+            <a:spLocks noGrp="1"/>
+          </p:cNvSpPr>
+          <p:nvPr>
+            <p:ph type="body" sz="quarter" idx="11"/>
+          </p:nvPr>
+        </p:nvSpPr>
+        <p:spPr>
+          <a:xfrm>
+            <a:off x="1260000" y="1634400"/>
+            <a:ext cx="7596000" cy="1415772"/>
+          </a:xfrm>
+        </p:spPr>
+        <p:txBody>
+          <a:bodyPr/>
+          <a:lstStyle/>
+          <a:p>
+            <a:r>
+              <a:rPr lang="en-GB" dirty="0"/>
+              <a:t>Custom DB (iML1515)</a:t>
+            </a:r>
+          </a:p>
+          <a:p>
+            <a:r>
+              <a:rPr lang="en-GB" dirty="0"/>
+              <a:t>GNPS</a:t>
+            </a:r>
+          </a:p>
+          <a:p>
+            <a:r>
+              <a:rPr lang="en-GB" dirty="0"/>
+              <a:t>SIRIUS</a:t>
+            </a:r>
+          </a:p>
+          <a:p>
+            <a:r>
+              <a:rPr lang="en-GB" dirty="0"/>
+              <a:t>SIRIUS-</a:t>
+            </a:r>
+            <a:r>
+              <a:rPr lang="en-GB" dirty="0" err="1"/>
+              <a:t>ClassyFire</a:t>
+            </a:r>
+            <a:r>
+              <a:rPr lang="en-GB" dirty="0"/>
+              <a:t> classes</a:t>
+            </a:r>
+            <a:endParaRPr lang="en-DE" dirty="0"/>
+          </a:p>
+        </p:txBody>
+      </p:sp>
+    </p:spTree>
+    <p:extLst>
+      <p:ext uri="{BB962C8B-B14F-4D97-AF65-F5344CB8AC3E}">
+        <p14:creationId xmlns:p14="http://schemas.microsoft.com/office/powerpoint/2010/main" val="1236610907"/>
+      </p:ext>
+    </p:extLst>
+  </p:cSld>
+  <p:clrMapOvr>
+    <a:masterClrMapping/>
+  </p:clrMapOvr>
+</p:sld>
+</file>
+
+<file path=ppt/slides/slide21.xml><?xml version="1.0" encoding="utf-8"?>
+<p:sld xmlns:a="http://schemas.openxmlformats.org/drawingml/2006/main" xmlns:r="http://schemas.openxmlformats.org/officeDocument/2006/relationships" xmlns:p="http://schemas.openxmlformats.org/presentationml/2006/main">
+  <p:cSld>
+    <p:spTree>
+      <p:nvGrpSpPr>
         <p:cNvPr id="1" name="">
           <a:extLst>
             <a:ext uri="{FF2B5EF4-FFF2-40B4-BE49-F238E27FC236}">
@@ -4787,7 +4908,11 @@
           <a:bodyPr/>
           <a:lstStyle/>
           <a:p>
-            <a:endParaRPr lang="en-DE"/>
+            <a:r>
+              <a:rPr lang="en-GB" dirty="0"/>
+              <a:t>Feature differences</a:t>
+            </a:r>
+            <a:endParaRPr lang="en-DE" dirty="0"/>
           </a:p>
         </p:txBody>
       </p:sp>
@@ -4812,10 +4937,45 @@
           <a:bodyPr/>
           <a:lstStyle/>
           <a:p>
-            <a:endParaRPr lang="en-DE"/>
+            <a:endParaRPr lang="en-DE" dirty="0"/>
           </a:p>
         </p:txBody>
       </p:sp>
+      <p:pic>
+        <p:nvPicPr>
+          <p:cNvPr id="5" name="Picture 4" descr="A white and pink background&#10;&#10;Description automatically generated with medium confidence">
+            <a:extLst>
+              <a:ext uri="{FF2B5EF4-FFF2-40B4-BE49-F238E27FC236}">
+                <a16:creationId xmlns:a16="http://schemas.microsoft.com/office/drawing/2014/main" id="{897B85CA-45B1-78BB-8D0B-113C995847EC}"/>
+              </a:ext>
+            </a:extLst>
+          </p:cNvPr>
+          <p:cNvPicPr>
+            <a:picLocks noChangeAspect="1"/>
+          </p:cNvPicPr>
+          <p:nvPr/>
+        </p:nvPicPr>
+        <p:blipFill>
+          <a:blip r:embed="rId2">
+            <a:extLst>
+              <a:ext uri="{28A0092B-C50C-407E-A947-70E740481C1C}">
+                <a14:useLocalDpi xmlns:a14="http://schemas.microsoft.com/office/drawing/2010/main" val="0"/>
+              </a:ext>
+            </a:extLst>
+          </a:blip>
+          <a:srcRect l="2609" t="10700"/>
+          <a:stretch/>
+        </p:blipFill>
+        <p:spPr>
+          <a:xfrm>
+            <a:off x="1958716" y="1634400"/>
+            <a:ext cx="6198568" cy="3233933"/>
+          </a:xfrm>
+          <a:prstGeom prst="rect">
+            <a:avLst/>
+          </a:prstGeom>
+        </p:spPr>
+      </p:pic>
     </p:spTree>
     <p:extLst>
       <p:ext uri="{BB962C8B-B14F-4D97-AF65-F5344CB8AC3E}">
@@ -4829,7 +4989,142 @@
 </p:sld>
 </file>
 
-<file path=ppt/slides/slide21.xml><?xml version="1.0" encoding="utf-8"?>
+<file path=ppt/slides/slide22.xml><?xml version="1.0" encoding="utf-8"?>
+<p:sld xmlns:a="http://schemas.openxmlformats.org/drawingml/2006/main" xmlns:r="http://schemas.openxmlformats.org/officeDocument/2006/relationships" xmlns:p="http://schemas.openxmlformats.org/presentationml/2006/main">
+  <p:cSld>
+    <p:spTree>
+      <p:nvGrpSpPr>
+        <p:cNvPr id="1" name="">
+          <a:extLst>
+            <a:ext uri="{FF2B5EF4-FFF2-40B4-BE49-F238E27FC236}">
+              <a16:creationId xmlns:a16="http://schemas.microsoft.com/office/drawing/2014/main" id="{5FD37D95-7E90-0BD4-3EF2-D88B8A714D7A}"/>
+            </a:ext>
+          </a:extLst>
+        </p:cNvPr>
+        <p:cNvGrpSpPr/>
+        <p:nvPr/>
+      </p:nvGrpSpPr>
+      <p:grpSpPr>
+        <a:xfrm>
+          <a:off x="0" y="0"/>
+          <a:ext cx="0" cy="0"/>
+          <a:chOff x="0" y="0"/>
+          <a:chExt cx="0" cy="0"/>
+        </a:xfrm>
+      </p:grpSpPr>
+      <p:sp>
+        <p:nvSpPr>
+          <p:cNvPr id="2" name="Content Placeholder 1">
+            <a:extLst>
+              <a:ext uri="{FF2B5EF4-FFF2-40B4-BE49-F238E27FC236}">
+                <a16:creationId xmlns:a16="http://schemas.microsoft.com/office/drawing/2014/main" id="{013EB7E3-2EFB-3D21-A49F-4433AE520837}"/>
+              </a:ext>
+            </a:extLst>
+          </p:cNvPr>
+          <p:cNvSpPr>
+            <a:spLocks noGrp="1"/>
+          </p:cNvSpPr>
+          <p:nvPr>
+            <p:ph sz="quarter" idx="10"/>
+          </p:nvPr>
+        </p:nvSpPr>
+        <p:spPr/>
+        <p:txBody>
+          <a:bodyPr/>
+          <a:lstStyle/>
+          <a:p>
+            <a:r>
+              <a:rPr lang="en-GB" dirty="0"/>
+              <a:t>Feature differences</a:t>
+            </a:r>
+            <a:endParaRPr lang="en-DE" dirty="0"/>
+          </a:p>
+        </p:txBody>
+      </p:sp>
+      <p:pic>
+        <p:nvPicPr>
+          <p:cNvPr id="6" name="Picture 5" descr="A graph of a diagram&#10;&#10;Description automatically generated with medium confidence">
+            <a:extLst>
+              <a:ext uri="{FF2B5EF4-FFF2-40B4-BE49-F238E27FC236}">
+                <a16:creationId xmlns:a16="http://schemas.microsoft.com/office/drawing/2014/main" id="{B7BEE0E1-4129-CBCF-DB41-34F5180FE593}"/>
+              </a:ext>
+            </a:extLst>
+          </p:cNvPr>
+          <p:cNvPicPr>
+            <a:picLocks noChangeAspect="1"/>
+          </p:cNvPicPr>
+          <p:nvPr/>
+        </p:nvPicPr>
+        <p:blipFill>
+          <a:blip r:embed="rId2">
+            <a:extLst>
+              <a:ext uri="{28A0092B-C50C-407E-A947-70E740481C1C}">
+                <a14:useLocalDpi xmlns:a14="http://schemas.microsoft.com/office/drawing/2010/main" val="0"/>
+              </a:ext>
+            </a:extLst>
+          </a:blip>
+          <a:srcRect l="1986" t="10515" r="4220" b="7591"/>
+          <a:stretch/>
+        </p:blipFill>
+        <p:spPr>
+          <a:xfrm>
+            <a:off x="2195017" y="1517366"/>
+            <a:ext cx="5723465" cy="1599423"/>
+          </a:xfrm>
+          <a:prstGeom prst="rect">
+            <a:avLst/>
+          </a:prstGeom>
+        </p:spPr>
+      </p:pic>
+      <p:pic>
+        <p:nvPicPr>
+          <p:cNvPr id="8" name="Picture 7" descr="A graph showing a diagram&#10;&#10;Description automatically generated with medium confidence">
+            <a:extLst>
+              <a:ext uri="{FF2B5EF4-FFF2-40B4-BE49-F238E27FC236}">
+                <a16:creationId xmlns:a16="http://schemas.microsoft.com/office/drawing/2014/main" id="{9BE11932-2D13-D6D6-A3F2-A03DD8586A45}"/>
+              </a:ext>
+            </a:extLst>
+          </p:cNvPr>
+          <p:cNvPicPr>
+            <a:picLocks noChangeAspect="1"/>
+          </p:cNvPicPr>
+          <p:nvPr/>
+        </p:nvPicPr>
+        <p:blipFill>
+          <a:blip r:embed="rId3">
+            <a:extLst>
+              <a:ext uri="{28A0092B-C50C-407E-A947-70E740481C1C}">
+                <a14:useLocalDpi xmlns:a14="http://schemas.microsoft.com/office/drawing/2010/main" val="0"/>
+              </a:ext>
+            </a:extLst>
+          </a:blip>
+          <a:srcRect l="1166" t="9535" r="4663" b="4964"/>
+          <a:stretch/>
+        </p:blipFill>
+        <p:spPr>
+          <a:xfrm>
+            <a:off x="2195017" y="3116789"/>
+            <a:ext cx="5723465" cy="1663190"/>
+          </a:xfrm>
+          <a:prstGeom prst="rect">
+            <a:avLst/>
+          </a:prstGeom>
+        </p:spPr>
+      </p:pic>
+    </p:spTree>
+    <p:extLst>
+      <p:ext uri="{BB962C8B-B14F-4D97-AF65-F5344CB8AC3E}">
+        <p14:creationId xmlns:p14="http://schemas.microsoft.com/office/powerpoint/2010/main" val="3730293367"/>
+      </p:ext>
+    </p:extLst>
+  </p:cSld>
+  <p:clrMapOvr>
+    <a:masterClrMapping/>
+  </p:clrMapOvr>
+</p:sld>
+</file>
+
+<file path=ppt/slides/slide23.xml><?xml version="1.0" encoding="utf-8"?>
 <p:sld xmlns:a="http://schemas.openxmlformats.org/drawingml/2006/main" xmlns:r="http://schemas.openxmlformats.org/officeDocument/2006/relationships" xmlns:p="http://schemas.openxmlformats.org/presentationml/2006/main">
   <p:cSld>
     <p:spTree>
